--- a/宣道詩/(宣道詩283)天使報信.pptx
+++ b/宣道詩/(宣道詩283)天使報信.pptx
@@ -17,6 +17,11 @@
     <p:sldId id="265" r:id="rId11"/>
     <p:sldId id="266" r:id="rId12"/>
     <p:sldId id="267" r:id="rId13"/>
+    <p:sldId id="268" r:id="rId14"/>
+    <p:sldId id="269" r:id="rId15"/>
+    <p:sldId id="270" r:id="rId16"/>
+    <p:sldId id="271" r:id="rId17"/>
+    <p:sldId id="272" r:id="rId18"/>
   </p:sldIdLst>
   <p:sldSz cx="9144000" cy="5143500" type="screen16x9"/>
   <p:notesSz cx="6858000" cy="9144000"/>
@@ -115,6 +120,22 @@
       </a:defRPr>
     </a:lvl9pPr>
   </p:defaultTextStyle>
+  <p:extLst>
+    <p:ext uri="{EFAFB233-063F-42B5-8137-9DF3F51BA10A}">
+      <p15:sldGuideLst xmlns:p15="http://schemas.microsoft.com/office/powerpoint/2012/main">
+        <p15:guide id="1" orient="horz" pos="1620">
+          <p15:clr>
+            <a:srgbClr val="A4A3A4"/>
+          </p15:clr>
+        </p15:guide>
+        <p15:guide id="2" pos="2880">
+          <p15:clr>
+            <a:srgbClr val="A4A3A4"/>
+          </p15:clr>
+        </p15:guide>
+      </p15:sldGuideLst>
+    </p:ext>
+  </p:extLst>
 </p:presentation>
 </file>
 
@@ -300,7 +321,7 @@
             <a:fld id="{2F879F52-6B60-4C01-BE62-F22035A9CFE0}" type="datetimeFigureOut">
               <a:rPr lang="en-US" smtClean="0"/>
               <a:pPr/>
-              <a:t>12/21/2019</a:t>
+              <a:t>12/4/2020</a:t>
             </a:fld>
             <a:endParaRPr lang="en-US"/>
           </a:p>
@@ -467,7 +488,7 @@
             <a:fld id="{2F879F52-6B60-4C01-BE62-F22035A9CFE0}" type="datetimeFigureOut">
               <a:rPr lang="en-US" smtClean="0"/>
               <a:pPr/>
-              <a:t>12/21/2019</a:t>
+              <a:t>12/4/2020</a:t>
             </a:fld>
             <a:endParaRPr lang="en-US"/>
           </a:p>
@@ -644,7 +665,7 @@
             <a:fld id="{2F879F52-6B60-4C01-BE62-F22035A9CFE0}" type="datetimeFigureOut">
               <a:rPr lang="en-US" smtClean="0"/>
               <a:pPr/>
-              <a:t>12/21/2019</a:t>
+              <a:t>12/4/2020</a:t>
             </a:fld>
             <a:endParaRPr lang="en-US"/>
           </a:p>
@@ -811,7 +832,7 @@
             <a:fld id="{2F879F52-6B60-4C01-BE62-F22035A9CFE0}" type="datetimeFigureOut">
               <a:rPr lang="en-US" smtClean="0"/>
               <a:pPr/>
-              <a:t>12/21/2019</a:t>
+              <a:t>12/4/2020</a:t>
             </a:fld>
             <a:endParaRPr lang="en-US"/>
           </a:p>
@@ -1054,7 +1075,7 @@
             <a:fld id="{2F879F52-6B60-4C01-BE62-F22035A9CFE0}" type="datetimeFigureOut">
               <a:rPr lang="en-US" smtClean="0"/>
               <a:pPr/>
-              <a:t>12/21/2019</a:t>
+              <a:t>12/4/2020</a:t>
             </a:fld>
             <a:endParaRPr lang="en-US"/>
           </a:p>
@@ -1339,7 +1360,7 @@
             <a:fld id="{2F879F52-6B60-4C01-BE62-F22035A9CFE0}" type="datetimeFigureOut">
               <a:rPr lang="en-US" smtClean="0"/>
               <a:pPr/>
-              <a:t>12/21/2019</a:t>
+              <a:t>12/4/2020</a:t>
             </a:fld>
             <a:endParaRPr lang="en-US"/>
           </a:p>
@@ -1758,7 +1779,7 @@
             <a:fld id="{2F879F52-6B60-4C01-BE62-F22035A9CFE0}" type="datetimeFigureOut">
               <a:rPr lang="en-US" smtClean="0"/>
               <a:pPr/>
-              <a:t>12/21/2019</a:t>
+              <a:t>12/4/2020</a:t>
             </a:fld>
             <a:endParaRPr lang="en-US"/>
           </a:p>
@@ -1873,7 +1894,7 @@
             <a:fld id="{2F879F52-6B60-4C01-BE62-F22035A9CFE0}" type="datetimeFigureOut">
               <a:rPr lang="en-US" smtClean="0"/>
               <a:pPr/>
-              <a:t>12/21/2019</a:t>
+              <a:t>12/4/2020</a:t>
             </a:fld>
             <a:endParaRPr lang="en-US"/>
           </a:p>
@@ -1965,7 +1986,7 @@
             <a:fld id="{2F879F52-6B60-4C01-BE62-F22035A9CFE0}" type="datetimeFigureOut">
               <a:rPr lang="en-US" smtClean="0"/>
               <a:pPr/>
-              <a:t>12/21/2019</a:t>
+              <a:t>12/4/2020</a:t>
             </a:fld>
             <a:endParaRPr lang="en-US"/>
           </a:p>
@@ -2239,7 +2260,7 @@
             <a:fld id="{2F879F52-6B60-4C01-BE62-F22035A9CFE0}" type="datetimeFigureOut">
               <a:rPr lang="en-US" smtClean="0"/>
               <a:pPr/>
-              <a:t>12/21/2019</a:t>
+              <a:t>12/4/2020</a:t>
             </a:fld>
             <a:endParaRPr lang="en-US"/>
           </a:p>
@@ -2493,7 +2514,7 @@
             <a:fld id="{2F879F52-6B60-4C01-BE62-F22035A9CFE0}" type="datetimeFigureOut">
               <a:rPr lang="en-US" smtClean="0"/>
               <a:pPr/>
-              <a:t>12/21/2019</a:t>
+              <a:t>12/4/2020</a:t>
             </a:fld>
             <a:endParaRPr lang="en-US"/>
           </a:p>
@@ -2708,7 +2729,7 @@
             <a:fld id="{2F879F52-6B60-4C01-BE62-F22035A9CFE0}" type="datetimeFigureOut">
               <a:rPr lang="en-US" smtClean="0"/>
               <a:pPr/>
-              <a:t>12/21/2019</a:t>
+              <a:t>12/4/2020</a:t>
             </a:fld>
             <a:endParaRPr lang="en-US"/>
           </a:p>
@@ -3081,7 +3102,7 @@
       </p:grpSpPr>
       <p:sp>
         <p:nvSpPr>
-          <p:cNvPr id="4" name="Title 3"/>
+          <p:cNvPr id="4" name="標題 3"/>
           <p:cNvSpPr>
             <a:spLocks noGrp="1"/>
           </p:cNvSpPr>
@@ -3089,168 +3110,142 @@
             <p:ph type="title"/>
           </p:nvPr>
         </p:nvSpPr>
-        <p:spPr/>
-        <p:txBody>
-          <a:bodyPr/>
-          <a:lstStyle/>
-          <a:p>
-            <a:r>
-              <a:rPr lang="zh-CN" altLang="en-US" b="1" dirty="0" smtClean="0">
+        <p:spPr>
+          <a:xfrm>
+            <a:off x="0" y="2143135"/>
+            <a:ext cx="9144000" cy="857250"/>
+          </a:xfrm>
+        </p:spPr>
+        <p:txBody>
+          <a:bodyPr>
+            <a:noAutofit/>
+          </a:bodyPr>
+          <a:lstStyle/>
+          <a:p>
+            <a:r>
+              <a:rPr lang="zh-CN" altLang="en-US" sz="4000" b="1" u="sng" dirty="0" smtClean="0">
                 <a:solidFill>
                   <a:srgbClr val="660033"/>
                 </a:solidFill>
+                <a:effectLst>
+                  <a:outerShdw blurRad="38100" dist="38100" dir="2700000" algn="tl">
+                    <a:srgbClr val="000000">
+                      <a:alpha val="43137"/>
+                    </a:srgbClr>
+                  </a:outerShdw>
+                </a:effectLst>
                 <a:latin typeface="微軟正黑體" pitchFamily="34" charset="-120"/>
                 <a:ea typeface="微軟正黑體" pitchFamily="34" charset="-120"/>
               </a:rPr>
-              <a:t>天使報信</a:t>
-            </a:r>
-            <a:endParaRPr lang="en-US" b="1" dirty="0">
+              <a:t>宣道詩 </a:t>
+            </a:r>
+            <a:r>
+              <a:rPr lang="en-US" altLang="zh-CN" sz="4000" b="1" u="sng" dirty="0" smtClean="0">
+                <a:solidFill>
+                  <a:srgbClr val="660033"/>
+                </a:solidFill>
+                <a:effectLst>
+                  <a:outerShdw blurRad="38100" dist="38100" dir="2700000" algn="tl">
+                    <a:srgbClr val="000000">
+                      <a:alpha val="43137"/>
+                    </a:srgbClr>
+                  </a:outerShdw>
+                </a:effectLst>
+                <a:latin typeface="微軟正黑體" pitchFamily="34" charset="-120"/>
+                <a:ea typeface="微軟正黑體" pitchFamily="34" charset="-120"/>
+              </a:rPr>
+              <a:t>238</a:t>
+            </a:r>
+            <a:r>
+              <a:rPr lang="en-US" altLang="zh-CN" sz="5400" b="1" i="1" dirty="0" smtClean="0">
+                <a:solidFill>
+                  <a:srgbClr val="660033"/>
+                </a:solidFill>
+                <a:effectLst>
+                  <a:outerShdw blurRad="38100" dist="38100" dir="2700000" algn="tl">
+                    <a:srgbClr val="000000">
+                      <a:alpha val="43137"/>
+                    </a:srgbClr>
+                  </a:outerShdw>
+                </a:effectLst>
+                <a:latin typeface="微軟正黑體" pitchFamily="34" charset="-120"/>
+                <a:ea typeface="微軟正黑體" pitchFamily="34" charset="-120"/>
+              </a:rPr>
+              <a:t/>
+            </a:r>
+            <a:br>
+              <a:rPr lang="en-US" altLang="zh-CN" sz="5400" b="1" i="1" dirty="0" smtClean="0">
+                <a:solidFill>
+                  <a:srgbClr val="660033"/>
+                </a:solidFill>
+                <a:effectLst>
+                  <a:outerShdw blurRad="38100" dist="38100" dir="2700000" algn="tl">
+                    <a:srgbClr val="000000">
+                      <a:alpha val="43137"/>
+                    </a:srgbClr>
+                  </a:outerShdw>
+                </a:effectLst>
+                <a:latin typeface="微軟正黑體" pitchFamily="34" charset="-120"/>
+                <a:ea typeface="微軟正黑體" pitchFamily="34" charset="-120"/>
+              </a:rPr>
+            </a:br>
+            <a:r>
+              <a:rPr lang="zh-CN" altLang="en-US" sz="6000" b="1" dirty="0" smtClean="0">
+                <a:solidFill>
+                  <a:srgbClr val="000066"/>
+                </a:solidFill>
+                <a:effectLst>
+                  <a:outerShdw blurRad="38100" dist="38100" dir="2700000" algn="tl">
+                    <a:srgbClr val="000000">
+                      <a:alpha val="43137"/>
+                    </a:srgbClr>
+                  </a:outerShdw>
+                </a:effectLst>
+                <a:latin typeface="微軟正黑體" pitchFamily="34" charset="-120"/>
+                <a:ea typeface="微軟正黑體" pitchFamily="34" charset="-120"/>
+              </a:rPr>
+              <a:t>天</a:t>
+            </a:r>
+            <a:r>
+              <a:rPr lang="zh-CN" altLang="en-US" sz="6000" b="1" dirty="0">
+                <a:solidFill>
+                  <a:srgbClr val="000066"/>
+                </a:solidFill>
+                <a:effectLst>
+                  <a:outerShdw blurRad="38100" dist="38100" dir="2700000" algn="tl">
+                    <a:srgbClr val="000000">
+                      <a:alpha val="43137"/>
+                    </a:srgbClr>
+                  </a:outerShdw>
+                </a:effectLst>
+                <a:latin typeface="微軟正黑體" pitchFamily="34" charset="-120"/>
+                <a:ea typeface="微軟正黑體" pitchFamily="34" charset="-120"/>
+              </a:rPr>
+              <a:t>使報信</a:t>
+            </a:r>
+            <a:endParaRPr lang="zh-TW" altLang="en-US" sz="6000" b="1" dirty="0">
               <a:solidFill>
-                <a:srgbClr val="660033"/>
+                <a:srgbClr val="000066"/>
               </a:solidFill>
+              <a:effectLst>
+                <a:outerShdw blurRad="38100" dist="38100" dir="2700000" algn="tl">
+                  <a:srgbClr val="000000">
+                    <a:alpha val="43137"/>
+                  </a:srgbClr>
+                </a:outerShdw>
+              </a:effectLst>
               <a:latin typeface="微軟正黑體" pitchFamily="34" charset="-120"/>
               <a:ea typeface="微軟正黑體" pitchFamily="34" charset="-120"/>
             </a:endParaRPr>
           </a:p>
         </p:txBody>
       </p:sp>
-      <p:sp>
-        <p:nvSpPr>
-          <p:cNvPr id="5" name="Content Placeholder 4"/>
-          <p:cNvSpPr>
-            <a:spLocks noGrp="1"/>
-          </p:cNvSpPr>
-          <p:nvPr>
-            <p:ph idx="1"/>
-          </p:nvPr>
-        </p:nvSpPr>
-        <p:spPr/>
-        <p:txBody>
-          <a:bodyPr>
-            <a:normAutofit fontScale="92500" lnSpcReduction="10000"/>
-          </a:bodyPr>
-          <a:lstStyle/>
-          <a:p>
-            <a:pPr algn="ctr">
-              <a:buNone/>
-            </a:pPr>
-            <a:r>
-              <a:rPr lang="zh-CN" altLang="en-US" sz="5400" b="1" dirty="0" smtClean="0">
-                <a:solidFill>
-                  <a:srgbClr val="660033"/>
-                </a:solidFill>
-                <a:latin typeface="微軟正黑體" pitchFamily="34" charset="-120"/>
-                <a:ea typeface="微軟正黑體" pitchFamily="34" charset="-120"/>
-              </a:rPr>
-              <a:t>聽啊天使唱高聲</a:t>
-            </a:r>
-            <a:endParaRPr lang="en-US" altLang="zh-CN" sz="5400" b="1" dirty="0" smtClean="0">
-              <a:solidFill>
-                <a:srgbClr val="660033"/>
-              </a:solidFill>
-              <a:latin typeface="微軟正黑體" pitchFamily="34" charset="-120"/>
-              <a:ea typeface="微軟正黑體" pitchFamily="34" charset="-120"/>
-            </a:endParaRPr>
-          </a:p>
-          <a:p>
-            <a:pPr algn="ctr">
-              <a:buNone/>
-            </a:pPr>
-            <a:r>
-              <a:rPr lang="zh-CN" altLang="en-US" sz="5400" b="1" dirty="0">
-                <a:solidFill>
-                  <a:srgbClr val="660033"/>
-                </a:solidFill>
-                <a:latin typeface="微軟正黑體" pitchFamily="34" charset="-120"/>
-                <a:ea typeface="微軟正黑體" pitchFamily="34" charset="-120"/>
-              </a:rPr>
-              <a:t>報</a:t>
-            </a:r>
-            <a:r>
-              <a:rPr lang="zh-CN" altLang="en-US" sz="5400" b="1" dirty="0" smtClean="0">
-                <a:solidFill>
-                  <a:srgbClr val="660033"/>
-                </a:solidFill>
-                <a:latin typeface="微軟正黑體" pitchFamily="34" charset="-120"/>
-                <a:ea typeface="微軟正黑體" pitchFamily="34" charset="-120"/>
-              </a:rPr>
-              <a:t>知耶穌今降生</a:t>
-            </a:r>
-            <a:endParaRPr lang="en-US" altLang="zh-CN" sz="5400" b="1" dirty="0" smtClean="0">
-              <a:solidFill>
-                <a:srgbClr val="660033"/>
-              </a:solidFill>
-              <a:latin typeface="微軟正黑體" pitchFamily="34" charset="-120"/>
-              <a:ea typeface="微軟正黑體" pitchFamily="34" charset="-120"/>
-            </a:endParaRPr>
-          </a:p>
-          <a:p>
-            <a:pPr algn="ctr">
-              <a:buNone/>
-            </a:pPr>
-            <a:r>
-              <a:rPr lang="zh-CN" altLang="en-US" sz="5400" b="1" dirty="0">
-                <a:solidFill>
-                  <a:srgbClr val="660033"/>
-                </a:solidFill>
-                <a:latin typeface="微軟正黑體" pitchFamily="34" charset="-120"/>
-                <a:ea typeface="微軟正黑體" pitchFamily="34" charset="-120"/>
-              </a:rPr>
-              <a:t>天</a:t>
-            </a:r>
-            <a:r>
-              <a:rPr lang="zh-CN" altLang="en-US" sz="5400" b="1" dirty="0" smtClean="0">
-                <a:solidFill>
-                  <a:srgbClr val="660033"/>
-                </a:solidFill>
-                <a:latin typeface="微軟正黑體" pitchFamily="34" charset="-120"/>
-                <a:ea typeface="微軟正黑體" pitchFamily="34" charset="-120"/>
-              </a:rPr>
-              <a:t>上榮光歸於神</a:t>
-            </a:r>
-            <a:endParaRPr lang="en-US" altLang="zh-CN" sz="5400" b="1" dirty="0" smtClean="0">
-              <a:solidFill>
-                <a:srgbClr val="660033"/>
-              </a:solidFill>
-              <a:latin typeface="微軟正黑體" pitchFamily="34" charset="-120"/>
-              <a:ea typeface="微軟正黑體" pitchFamily="34" charset="-120"/>
-            </a:endParaRPr>
-          </a:p>
-          <a:p>
-            <a:pPr algn="ctr">
-              <a:buNone/>
-            </a:pPr>
-            <a:r>
-              <a:rPr lang="zh-CN" altLang="en-US" sz="5400" b="1" dirty="0">
-                <a:solidFill>
-                  <a:srgbClr val="660033"/>
-                </a:solidFill>
-                <a:latin typeface="微軟正黑體" pitchFamily="34" charset="-120"/>
-                <a:ea typeface="微軟正黑體" pitchFamily="34" charset="-120"/>
-              </a:rPr>
-              <a:t>地</a:t>
-            </a:r>
-            <a:r>
-              <a:rPr lang="zh-CN" altLang="en-US" sz="5400" b="1" dirty="0" smtClean="0">
-                <a:solidFill>
-                  <a:srgbClr val="660033"/>
-                </a:solidFill>
-                <a:latin typeface="微軟正黑體" pitchFamily="34" charset="-120"/>
-                <a:ea typeface="微軟正黑體" pitchFamily="34" charset="-120"/>
-              </a:rPr>
-              <a:t>上平安人蒙恩</a:t>
-            </a:r>
-            <a:endParaRPr lang="en-US" sz="5400" b="1" dirty="0">
-              <a:solidFill>
-                <a:srgbClr val="660033"/>
-              </a:solidFill>
-              <a:latin typeface="微軟正黑體" pitchFamily="34" charset="-120"/>
-              <a:ea typeface="微軟正黑體" pitchFamily="34" charset="-120"/>
-            </a:endParaRPr>
-          </a:p>
-        </p:txBody>
-      </p:sp>
     </p:spTree>
+    <p:extLst>
+      <p:ext uri="{BB962C8B-B14F-4D97-AF65-F5344CB8AC3E}">
+        <p14:creationId xmlns:p14="http://schemas.microsoft.com/office/powerpoint/2010/main" val="3842927009"/>
+      </p:ext>
+    </p:extLst>
   </p:cSld>
   <p:clrMapOvr>
     <a:masterClrMapping/>
@@ -3284,167 +3279,127 @@
       </p:grpSpPr>
       <p:sp>
         <p:nvSpPr>
-          <p:cNvPr id="4" name="Title 3"/>
-          <p:cNvSpPr>
-            <a:spLocks noGrp="1"/>
-          </p:cNvSpPr>
-          <p:nvPr>
-            <p:ph type="title"/>
-          </p:nvPr>
-        </p:nvSpPr>
-        <p:spPr/>
-        <p:txBody>
-          <a:bodyPr/>
-          <a:lstStyle/>
-          <a:p>
-            <a:r>
-              <a:rPr lang="zh-CN" altLang="en-US" b="1" dirty="0" smtClean="0">
-                <a:solidFill>
-                  <a:srgbClr val="660033"/>
+          <p:cNvPr id="5" name="內容版面配置區 4"/>
+          <p:cNvSpPr>
+            <a:spLocks noGrp="1"/>
+          </p:cNvSpPr>
+          <p:nvPr>
+            <p:ph idx="1"/>
+          </p:nvPr>
+        </p:nvSpPr>
+        <p:spPr>
+          <a:xfrm>
+            <a:off x="0" y="1563638"/>
+            <a:ext cx="9144000" cy="1803647"/>
+          </a:xfrm>
+        </p:spPr>
+        <p:txBody>
+          <a:bodyPr anchor="ctr">
+            <a:normAutofit/>
+          </a:bodyPr>
+          <a:lstStyle/>
+          <a:p>
+            <a:pPr algn="ctr">
+              <a:buNone/>
+            </a:pPr>
+            <a:r>
+              <a:rPr lang="zh-CN" altLang="en-US" sz="4800" b="1" dirty="0">
+                <a:solidFill>
+                  <a:srgbClr val="000066"/>
                 </a:solidFill>
                 <a:latin typeface="微軟正黑體" pitchFamily="34" charset="-120"/>
                 <a:ea typeface="微軟正黑體" pitchFamily="34" charset="-120"/>
               </a:rPr>
-              <a:t>天使報信</a:t>
-            </a:r>
-            <a:endParaRPr lang="en-US" b="1" dirty="0">
+              <a:t>美哉耶穌太平皇</a:t>
+            </a:r>
+            <a:endParaRPr lang="en-US" altLang="zh-CN" sz="4800" b="1" dirty="0">
               <a:solidFill>
-                <a:srgbClr val="660033"/>
+                <a:srgbClr val="000066"/>
               </a:solidFill>
               <a:latin typeface="微軟正黑體" pitchFamily="34" charset="-120"/>
               <a:ea typeface="微軟正黑體" pitchFamily="34" charset="-120"/>
             </a:endParaRPr>
           </a:p>
-        </p:txBody>
-      </p:sp>
-      <p:sp>
-        <p:nvSpPr>
-          <p:cNvPr id="5" name="Content Placeholder 4"/>
-          <p:cNvSpPr>
-            <a:spLocks noGrp="1"/>
-          </p:cNvSpPr>
-          <p:nvPr>
-            <p:ph idx="1"/>
-          </p:nvPr>
-        </p:nvSpPr>
-        <p:spPr/>
-        <p:txBody>
-          <a:bodyPr>
-            <a:normAutofit fontScale="92500" lnSpcReduction="10000"/>
-          </a:bodyPr>
-          <a:lstStyle/>
           <a:p>
             <a:pPr algn="ctr">
               <a:buNone/>
             </a:pPr>
             <a:r>
-              <a:rPr lang="zh-CN" altLang="en-US" sz="5400" b="1" dirty="0" smtClean="0">
-                <a:solidFill>
-                  <a:srgbClr val="660033"/>
+              <a:rPr lang="zh-CN" altLang="en-US" sz="4800" b="1" dirty="0">
+                <a:solidFill>
+                  <a:srgbClr val="000066"/>
                 </a:solidFill>
                 <a:latin typeface="微軟正黑體" pitchFamily="34" charset="-120"/>
                 <a:ea typeface="微軟正黑體" pitchFamily="34" charset="-120"/>
               </a:rPr>
-              <a:t>萬國救主萬國王</a:t>
-            </a:r>
-            <a:endParaRPr lang="en-US" altLang="zh-CN" sz="5400" b="1" dirty="0" smtClean="0">
+              <a:t>美哉耶穌為世光</a:t>
+            </a:r>
+            <a:endParaRPr lang="en-US" altLang="zh-CN" sz="4800" b="1" dirty="0">
               <a:solidFill>
-                <a:srgbClr val="660033"/>
+                <a:srgbClr val="000066"/>
               </a:solidFill>
               <a:latin typeface="微軟正黑體" pitchFamily="34" charset="-120"/>
               <a:ea typeface="微軟正黑體" pitchFamily="34" charset="-120"/>
             </a:endParaRPr>
           </a:p>
-          <a:p>
-            <a:pPr algn="ctr">
-              <a:buNone/>
-            </a:pPr>
-            <a:r>
-              <a:rPr lang="zh-CN" altLang="en-US" sz="5400" b="1" dirty="0" smtClean="0">
-                <a:solidFill>
-                  <a:srgbClr val="660033"/>
-                </a:solidFill>
-                <a:latin typeface="微軟正黑體" pitchFamily="34" charset="-120"/>
-                <a:ea typeface="微軟正黑體" pitchFamily="34" charset="-120"/>
-              </a:rPr>
-              <a:t>願你居於我心房</a:t>
-            </a:r>
-            <a:endParaRPr lang="en-US" altLang="zh-CN" sz="5400" b="1" dirty="0" smtClean="0">
+        </p:txBody>
+      </p:sp>
+      <p:sp>
+        <p:nvSpPr>
+          <p:cNvPr id="3" name="TextBox 2"/>
+          <p:cNvSpPr txBox="1"/>
+          <p:nvPr/>
+        </p:nvSpPr>
+        <p:spPr>
+          <a:xfrm>
+            <a:off x="827584" y="1707654"/>
+            <a:ext cx="966632" cy="830997"/>
+          </a:xfrm>
+          <a:prstGeom prst="rect">
+            <a:avLst/>
+          </a:prstGeom>
+          <a:noFill/>
+        </p:spPr>
+        <p:txBody>
+          <a:bodyPr wrap="square" rtlCol="0">
+            <a:spAutoFit/>
+          </a:bodyPr>
+          <a:lstStyle/>
+          <a:p>
+            <a:r>
+              <a:rPr lang="en-US" sz="4800" b="1" dirty="0">
+                <a:solidFill>
+                  <a:srgbClr val="000066"/>
+                </a:solidFill>
+              </a:rPr>
+              <a:t>3</a:t>
+            </a:r>
+            <a:r>
+              <a:rPr lang="en-US" sz="4800" b="1" dirty="0" smtClean="0">
+                <a:solidFill>
+                  <a:srgbClr val="000066"/>
+                </a:solidFill>
+              </a:rPr>
+              <a:t>.</a:t>
+            </a:r>
+            <a:endParaRPr lang="vi-VN" sz="4800" b="1" dirty="0">
               <a:solidFill>
-                <a:srgbClr val="660033"/>
+                <a:srgbClr val="000066"/>
               </a:solidFill>
-              <a:latin typeface="微軟正黑體" pitchFamily="34" charset="-120"/>
-              <a:ea typeface="微軟正黑體" pitchFamily="34" charset="-120"/>
             </a:endParaRPr>
           </a:p>
-          <a:p>
-            <a:pPr algn="ctr">
-              <a:buNone/>
-            </a:pPr>
-            <a:r>
-              <a:rPr lang="zh-CN" altLang="en-US" sz="5400" b="1" dirty="0">
-                <a:solidFill>
-                  <a:srgbClr val="660033"/>
-                </a:solidFill>
-                <a:latin typeface="微軟正黑體" pitchFamily="34" charset="-120"/>
-                <a:ea typeface="微軟正黑體" pitchFamily="34" charset="-120"/>
-              </a:rPr>
-              <a:t>魔</a:t>
-            </a:r>
-            <a:r>
-              <a:rPr lang="zh-CN" altLang="en-US" sz="5400" b="1" dirty="0" smtClean="0">
-                <a:solidFill>
-                  <a:srgbClr val="660033"/>
-                </a:solidFill>
-                <a:latin typeface="微軟正黑體" pitchFamily="34" charset="-120"/>
-                <a:ea typeface="微軟正黑體" pitchFamily="34" charset="-120"/>
-              </a:rPr>
-              <a:t>鬼權勢全敗挫</a:t>
-            </a:r>
-            <a:endParaRPr lang="en-US" altLang="zh-CN" sz="5400" b="1" dirty="0" smtClean="0">
-              <a:solidFill>
-                <a:srgbClr val="660033"/>
-              </a:solidFill>
-              <a:latin typeface="微軟正黑體" pitchFamily="34" charset="-120"/>
-              <a:ea typeface="微軟正黑體" pitchFamily="34" charset="-120"/>
-            </a:endParaRPr>
-          </a:p>
-          <a:p>
-            <a:pPr algn="ctr">
-              <a:buNone/>
-            </a:pPr>
-            <a:r>
-              <a:rPr lang="zh-CN" altLang="en-US" sz="5400" b="1" dirty="0" smtClean="0">
-                <a:solidFill>
-                  <a:srgbClr val="660033"/>
-                </a:solidFill>
-                <a:latin typeface="微軟正黑體" pitchFamily="34" charset="-120"/>
-                <a:ea typeface="微軟正黑體" pitchFamily="34" charset="-120"/>
-              </a:rPr>
-              <a:t>使我勝過諸罪惡</a:t>
-            </a:r>
-            <a:endParaRPr lang="en-US" altLang="zh-CN" sz="5400" b="1" dirty="0" smtClean="0">
-              <a:solidFill>
-                <a:srgbClr val="660033"/>
-              </a:solidFill>
-              <a:latin typeface="微軟正黑體" pitchFamily="34" charset="-120"/>
-              <a:ea typeface="微軟正黑體" pitchFamily="34" charset="-120"/>
-            </a:endParaRPr>
-          </a:p>
         </p:txBody>
       </p:sp>
     </p:spTree>
+    <p:extLst>
+      <p:ext uri="{BB962C8B-B14F-4D97-AF65-F5344CB8AC3E}">
+        <p14:creationId xmlns:p14="http://schemas.microsoft.com/office/powerpoint/2010/main" val="4128880832"/>
+      </p:ext>
+    </p:extLst>
   </p:cSld>
   <p:clrMapOvr>
     <a:masterClrMapping/>
   </p:clrMapOvr>
-  <p:timing>
-    <p:tnLst>
-      <p:par>
-        <p:cTn id="1" dur="indefinite" restart="never" nodeType="tmRoot"/>
-      </p:par>
-    </p:tnLst>
-  </p:timing>
 </p:sld>
 </file>
 
@@ -3467,123 +3422,127 @@
       </p:grpSpPr>
       <p:sp>
         <p:nvSpPr>
-          <p:cNvPr id="4" name="Title 3"/>
-          <p:cNvSpPr>
-            <a:spLocks noGrp="1"/>
-          </p:cNvSpPr>
-          <p:nvPr>
-            <p:ph type="title"/>
-          </p:nvPr>
-        </p:nvSpPr>
-        <p:spPr/>
-        <p:txBody>
-          <a:bodyPr/>
-          <a:lstStyle/>
-          <a:p>
-            <a:r>
-              <a:rPr lang="zh-CN" altLang="en-US" b="1" dirty="0" smtClean="0">
-                <a:solidFill>
-                  <a:srgbClr val="660033"/>
+          <p:cNvPr id="5" name="內容版面配置區 4"/>
+          <p:cNvSpPr>
+            <a:spLocks noGrp="1"/>
+          </p:cNvSpPr>
+          <p:nvPr>
+            <p:ph idx="1"/>
+          </p:nvPr>
+        </p:nvSpPr>
+        <p:spPr>
+          <a:xfrm>
+            <a:off x="0" y="1563638"/>
+            <a:ext cx="9144000" cy="1803647"/>
+          </a:xfrm>
+        </p:spPr>
+        <p:txBody>
+          <a:bodyPr anchor="ctr">
+            <a:normAutofit/>
+          </a:bodyPr>
+          <a:lstStyle/>
+          <a:p>
+            <a:pPr algn="ctr">
+              <a:buNone/>
+            </a:pPr>
+            <a:r>
+              <a:rPr lang="zh-CN" altLang="en-US" sz="4800" b="1" dirty="0">
+                <a:solidFill>
+                  <a:srgbClr val="000066"/>
                 </a:solidFill>
                 <a:latin typeface="微軟正黑體" pitchFamily="34" charset="-120"/>
                 <a:ea typeface="微軟正黑體" pitchFamily="34" charset="-120"/>
               </a:rPr>
-              <a:t>天使報信</a:t>
-            </a:r>
-            <a:endParaRPr lang="en-US" b="1" dirty="0">
+              <a:t>普遍照臨萬方人</a:t>
+            </a:r>
+            <a:endParaRPr lang="en-US" altLang="zh-CN" sz="4800" b="1" dirty="0">
               <a:solidFill>
-                <a:srgbClr val="660033"/>
+                <a:srgbClr val="000066"/>
               </a:solidFill>
               <a:latin typeface="微軟正黑體" pitchFamily="34" charset="-120"/>
               <a:ea typeface="微軟正黑體" pitchFamily="34" charset="-120"/>
             </a:endParaRPr>
           </a:p>
-        </p:txBody>
-      </p:sp>
-      <p:sp>
-        <p:nvSpPr>
-          <p:cNvPr id="5" name="Content Placeholder 4"/>
-          <p:cNvSpPr>
-            <a:spLocks noGrp="1"/>
-          </p:cNvSpPr>
-          <p:nvPr>
-            <p:ph idx="1"/>
-          </p:nvPr>
-        </p:nvSpPr>
-        <p:spPr/>
-        <p:txBody>
-          <a:bodyPr>
-            <a:normAutofit/>
-          </a:bodyPr>
-          <a:lstStyle/>
           <a:p>
             <a:pPr algn="ctr">
               <a:buNone/>
             </a:pPr>
             <a:r>
-              <a:rPr lang="zh-CN" altLang="en-US" sz="5400" b="1" dirty="0" smtClean="0">
-                <a:solidFill>
-                  <a:srgbClr val="660033"/>
+              <a:rPr lang="zh-CN" altLang="en-US" sz="4800" b="1" dirty="0">
+                <a:solidFill>
+                  <a:srgbClr val="000066"/>
                 </a:solidFill>
                 <a:latin typeface="微軟正黑體" pitchFamily="34" charset="-120"/>
                 <a:ea typeface="微軟正黑體" pitchFamily="34" charset="-120"/>
               </a:rPr>
-              <a:t>聽啊天使列成行</a:t>
-            </a:r>
-            <a:endParaRPr lang="en-US" altLang="zh-CN" sz="5400" b="1" dirty="0" smtClean="0">
+              <a:t>賜以永生引歸真</a:t>
+            </a:r>
+            <a:endParaRPr lang="en-US" altLang="zh-CN" sz="4800" b="1" dirty="0">
               <a:solidFill>
-                <a:srgbClr val="660033"/>
+                <a:srgbClr val="000066"/>
               </a:solidFill>
               <a:latin typeface="微軟正黑體" pitchFamily="34" charset="-120"/>
               <a:ea typeface="微軟正黑體" pitchFamily="34" charset="-120"/>
             </a:endParaRPr>
           </a:p>
-          <a:p>
-            <a:pPr algn="ctr">
-              <a:buNone/>
-            </a:pPr>
-            <a:r>
-              <a:rPr lang="zh-CN" altLang="en-US" sz="5400" b="1" dirty="0">
-                <a:solidFill>
-                  <a:srgbClr val="660033"/>
-                </a:solidFill>
-                <a:latin typeface="微軟正黑體" pitchFamily="34" charset="-120"/>
-                <a:ea typeface="微軟正黑體" pitchFamily="34" charset="-120"/>
-              </a:rPr>
-              <a:t>竭</a:t>
-            </a:r>
-            <a:r>
-              <a:rPr lang="zh-CN" altLang="en-US" sz="5400" b="1" dirty="0" smtClean="0">
-                <a:solidFill>
-                  <a:srgbClr val="660033"/>
-                </a:solidFill>
-                <a:latin typeface="微軟正黑體" pitchFamily="34" charset="-120"/>
-                <a:ea typeface="微軟正黑體" pitchFamily="34" charset="-120"/>
-              </a:rPr>
-              <a:t>力同讚新生王</a:t>
-            </a:r>
-            <a:endParaRPr lang="en-US" altLang="zh-CN" sz="5400" b="1" dirty="0" smtClean="0">
+        </p:txBody>
+      </p:sp>
+      <p:sp>
+        <p:nvSpPr>
+          <p:cNvPr id="3" name="TextBox 2"/>
+          <p:cNvSpPr txBox="1"/>
+          <p:nvPr/>
+        </p:nvSpPr>
+        <p:spPr>
+          <a:xfrm>
+            <a:off x="827584" y="1707654"/>
+            <a:ext cx="966632" cy="830997"/>
+          </a:xfrm>
+          <a:prstGeom prst="rect">
+            <a:avLst/>
+          </a:prstGeom>
+          <a:noFill/>
+        </p:spPr>
+        <p:txBody>
+          <a:bodyPr wrap="square" rtlCol="0">
+            <a:spAutoFit/>
+          </a:bodyPr>
+          <a:lstStyle/>
+          <a:p>
+            <a:r>
+              <a:rPr lang="en-US" sz="4800" b="1" dirty="0">
+                <a:solidFill>
+                  <a:srgbClr val="000066"/>
+                </a:solidFill>
+              </a:rPr>
+              <a:t>3</a:t>
+            </a:r>
+            <a:r>
+              <a:rPr lang="en-US" sz="4800" b="1" dirty="0" smtClean="0">
+                <a:solidFill>
+                  <a:srgbClr val="000066"/>
+                </a:solidFill>
+              </a:rPr>
+              <a:t>.</a:t>
+            </a:r>
+            <a:endParaRPr lang="vi-VN" sz="4800" b="1" dirty="0">
               <a:solidFill>
-                <a:srgbClr val="660033"/>
+                <a:srgbClr val="000066"/>
               </a:solidFill>
-              <a:latin typeface="微軟正黑體" pitchFamily="34" charset="-120"/>
-              <a:ea typeface="微軟正黑體" pitchFamily="34" charset="-120"/>
             </a:endParaRPr>
           </a:p>
         </p:txBody>
       </p:sp>
     </p:spTree>
+    <p:extLst>
+      <p:ext uri="{BB962C8B-B14F-4D97-AF65-F5344CB8AC3E}">
+        <p14:creationId xmlns:p14="http://schemas.microsoft.com/office/powerpoint/2010/main" val="2132565859"/>
+      </p:ext>
+    </p:extLst>
   </p:cSld>
   <p:clrMapOvr>
     <a:masterClrMapping/>
   </p:clrMapOvr>
-  <p:timing>
-    <p:tnLst>
-      <p:par>
-        <p:cTn id="1" dur="indefinite" restart="never" nodeType="tmRoot"/>
-      </p:par>
-    </p:tnLst>
-  </p:timing>
 </p:sld>
 </file>
 
@@ -3606,104 +3565,185 @@
       </p:grpSpPr>
       <p:sp>
         <p:nvSpPr>
-          <p:cNvPr id="4" name="Title 3"/>
-          <p:cNvSpPr>
-            <a:spLocks noGrp="1"/>
-          </p:cNvSpPr>
-          <p:nvPr>
-            <p:ph type="title"/>
-          </p:nvPr>
-        </p:nvSpPr>
-        <p:spPr/>
-        <p:txBody>
-          <a:bodyPr/>
-          <a:lstStyle/>
-          <a:p>
-            <a:r>
-              <a:rPr lang="zh-CN" altLang="en-US" b="1" dirty="0" smtClean="0">
-                <a:solidFill>
-                  <a:srgbClr val="660033"/>
+          <p:cNvPr id="5" name="內容版面配置區 4"/>
+          <p:cNvSpPr>
+            <a:spLocks noGrp="1"/>
+          </p:cNvSpPr>
+          <p:nvPr>
+            <p:ph idx="1"/>
+          </p:nvPr>
+        </p:nvSpPr>
+        <p:spPr>
+          <a:xfrm>
+            <a:off x="0" y="1563638"/>
+            <a:ext cx="9144000" cy="1803647"/>
+          </a:xfrm>
+        </p:spPr>
+        <p:txBody>
+          <a:bodyPr anchor="ctr">
+            <a:normAutofit/>
+          </a:bodyPr>
+          <a:lstStyle/>
+          <a:p>
+            <a:pPr algn="ctr">
+              <a:buNone/>
+            </a:pPr>
+            <a:r>
+              <a:rPr lang="zh-CN" altLang="en-US" sz="4800" b="1" dirty="0">
+                <a:solidFill>
+                  <a:srgbClr val="000066"/>
                 </a:solidFill>
                 <a:latin typeface="微軟正黑體" pitchFamily="34" charset="-120"/>
                 <a:ea typeface="微軟正黑體" pitchFamily="34" charset="-120"/>
               </a:rPr>
-              <a:t>天使報信</a:t>
-            </a:r>
-            <a:endParaRPr lang="en-US" b="1" dirty="0">
+              <a:t>謙卑放下天榮尊</a:t>
+            </a:r>
+            <a:endParaRPr lang="en-US" altLang="zh-CN" sz="4800" b="1" dirty="0">
               <a:solidFill>
-                <a:srgbClr val="660033"/>
+                <a:srgbClr val="000066"/>
               </a:solidFill>
               <a:latin typeface="微軟正黑體" pitchFamily="34" charset="-120"/>
               <a:ea typeface="微軟正黑體" pitchFamily="34" charset="-120"/>
             </a:endParaRPr>
           </a:p>
-        </p:txBody>
-      </p:sp>
-      <p:sp>
-        <p:nvSpPr>
-          <p:cNvPr id="5" name="Content Placeholder 4"/>
-          <p:cNvSpPr>
-            <a:spLocks noGrp="1"/>
-          </p:cNvSpPr>
-          <p:nvPr>
-            <p:ph idx="1"/>
-          </p:nvPr>
-        </p:nvSpPr>
-        <p:spPr/>
-        <p:txBody>
-          <a:bodyPr>
-            <a:normAutofit fontScale="92500" lnSpcReduction="10000"/>
-          </a:bodyPr>
-          <a:lstStyle/>
           <a:p>
             <a:pPr algn="ctr">
               <a:buNone/>
             </a:pPr>
             <a:r>
-              <a:rPr lang="zh-CN" altLang="en-US" sz="5400" b="1" dirty="0" smtClean="0">
-                <a:solidFill>
-                  <a:srgbClr val="660033"/>
+              <a:rPr lang="zh-CN" altLang="en-US" sz="4800" b="1" dirty="0">
+                <a:solidFill>
+                  <a:srgbClr val="000066"/>
                 </a:solidFill>
                 <a:latin typeface="微軟正黑體" pitchFamily="34" charset="-120"/>
                 <a:ea typeface="微軟正黑體" pitchFamily="34" charset="-120"/>
               </a:rPr>
-              <a:t>天上榮光歸於神</a:t>
-            </a:r>
-            <a:endParaRPr lang="en-US" altLang="zh-CN" sz="5400" b="1" dirty="0" smtClean="0">
+              <a:t>降生救人面沉淪</a:t>
+            </a:r>
+            <a:endParaRPr lang="en-US" altLang="zh-CN" sz="4800" b="1" dirty="0">
               <a:solidFill>
-                <a:srgbClr val="660033"/>
+                <a:srgbClr val="000066"/>
               </a:solidFill>
               <a:latin typeface="微軟正黑體" pitchFamily="34" charset="-120"/>
               <a:ea typeface="微軟正黑體" pitchFamily="34" charset="-120"/>
             </a:endParaRPr>
           </a:p>
+        </p:txBody>
+      </p:sp>
+      <p:sp>
+        <p:nvSpPr>
+          <p:cNvPr id="3" name="TextBox 2"/>
+          <p:cNvSpPr txBox="1"/>
+          <p:nvPr/>
+        </p:nvSpPr>
+        <p:spPr>
+          <a:xfrm>
+            <a:off x="827584" y="1707654"/>
+            <a:ext cx="966632" cy="830997"/>
+          </a:xfrm>
+          <a:prstGeom prst="rect">
+            <a:avLst/>
+          </a:prstGeom>
+          <a:noFill/>
+        </p:spPr>
+        <p:txBody>
+          <a:bodyPr wrap="square" rtlCol="0">
+            <a:spAutoFit/>
+          </a:bodyPr>
+          <a:lstStyle/>
+          <a:p>
+            <a:r>
+              <a:rPr lang="en-US" sz="4800" b="1" dirty="0">
+                <a:solidFill>
+                  <a:srgbClr val="000066"/>
+                </a:solidFill>
+              </a:rPr>
+              <a:t>3</a:t>
+            </a:r>
+            <a:r>
+              <a:rPr lang="en-US" sz="4800" b="1" dirty="0" smtClean="0">
+                <a:solidFill>
+                  <a:srgbClr val="000066"/>
+                </a:solidFill>
+              </a:rPr>
+              <a:t>.</a:t>
+            </a:r>
+            <a:endParaRPr lang="vi-VN" sz="4800" b="1" dirty="0">
+              <a:solidFill>
+                <a:srgbClr val="000066"/>
+              </a:solidFill>
+            </a:endParaRPr>
+          </a:p>
+        </p:txBody>
+      </p:sp>
+    </p:spTree>
+    <p:extLst>
+      <p:ext uri="{BB962C8B-B14F-4D97-AF65-F5344CB8AC3E}">
+        <p14:creationId xmlns:p14="http://schemas.microsoft.com/office/powerpoint/2010/main" val="977886712"/>
+      </p:ext>
+    </p:extLst>
+  </p:cSld>
+  <p:clrMapOvr>
+    <a:masterClrMapping/>
+  </p:clrMapOvr>
+</p:sld>
+</file>
+
+<file path=ppt/slides/slide13.xml><?xml version="1.0" encoding="utf-8"?>
+<p:sld xmlns:a="http://schemas.openxmlformats.org/drawingml/2006/main" xmlns:r="http://schemas.openxmlformats.org/officeDocument/2006/relationships" xmlns:p="http://schemas.openxmlformats.org/presentationml/2006/main">
+  <p:cSld>
+    <p:spTree>
+      <p:nvGrpSpPr>
+        <p:cNvPr id="1" name=""/>
+        <p:cNvGrpSpPr/>
+        <p:nvPr/>
+      </p:nvGrpSpPr>
+      <p:grpSpPr>
+        <a:xfrm>
+          <a:off x="0" y="0"/>
+          <a:ext cx="0" cy="0"/>
+          <a:chOff x="0" y="0"/>
+          <a:chExt cx="0" cy="0"/>
+        </a:xfrm>
+      </p:grpSpPr>
+      <p:sp>
+        <p:nvSpPr>
+          <p:cNvPr id="5" name="內容版面配置區 4"/>
+          <p:cNvSpPr>
+            <a:spLocks noGrp="1"/>
+          </p:cNvSpPr>
+          <p:nvPr>
+            <p:ph idx="1"/>
+          </p:nvPr>
+        </p:nvSpPr>
+        <p:spPr>
+          <a:xfrm>
+            <a:off x="0" y="1563638"/>
+            <a:ext cx="9144000" cy="1803647"/>
+          </a:xfrm>
+        </p:spPr>
+        <p:txBody>
+          <a:bodyPr anchor="ctr">
+            <a:normAutofit/>
+          </a:bodyPr>
+          <a:lstStyle/>
           <a:p>
             <a:pPr algn="ctr">
               <a:buNone/>
             </a:pPr>
             <a:r>
-              <a:rPr lang="zh-CN" altLang="en-US" sz="5400" b="1" dirty="0">
-                <a:solidFill>
-                  <a:srgbClr val="660033"/>
+              <a:rPr lang="zh-CN" altLang="en-US" sz="4800" b="1" dirty="0">
+                <a:solidFill>
+                  <a:srgbClr val="000066"/>
                 </a:solidFill>
                 <a:latin typeface="微軟正黑體" pitchFamily="34" charset="-120"/>
                 <a:ea typeface="微軟正黑體" pitchFamily="34" charset="-120"/>
               </a:rPr>
-              <a:t>地</a:t>
-            </a:r>
-            <a:r>
-              <a:rPr lang="zh-CN" altLang="en-US" sz="5400" b="1" dirty="0" smtClean="0">
-                <a:solidFill>
-                  <a:srgbClr val="660033"/>
-                </a:solidFill>
-                <a:latin typeface="微軟正黑體" pitchFamily="34" charset="-120"/>
-                <a:ea typeface="微軟正黑體" pitchFamily="34" charset="-120"/>
-              </a:rPr>
-              <a:t>上平安人蒙恩</a:t>
-            </a:r>
-            <a:endParaRPr lang="en-US" altLang="zh-CN" sz="5400" b="1" dirty="0" smtClean="0">
+              <a:t>降生罪人能更新</a:t>
+            </a:r>
+            <a:endParaRPr lang="en-US" altLang="zh-CN" sz="4800" b="1" dirty="0">
               <a:solidFill>
-                <a:srgbClr val="660033"/>
+                <a:srgbClr val="000066"/>
               </a:solidFill>
               <a:latin typeface="微軟正黑體" pitchFamily="34" charset="-120"/>
               <a:ea typeface="微軟正黑體" pitchFamily="34" charset="-120"/>
@@ -3714,59 +3754,699 @@
               <a:buNone/>
             </a:pPr>
             <a:r>
-              <a:rPr lang="zh-CN" altLang="en-US" sz="5400" b="1" dirty="0" smtClean="0">
-                <a:solidFill>
-                  <a:srgbClr val="660033"/>
+              <a:rPr lang="zh-CN" altLang="en-US" sz="4800" b="1" dirty="0">
+                <a:solidFill>
+                  <a:srgbClr val="000066"/>
                 </a:solidFill>
                 <a:latin typeface="微軟正黑體" pitchFamily="34" charset="-120"/>
                 <a:ea typeface="微軟正黑體" pitchFamily="34" charset="-120"/>
               </a:rPr>
-              <a:t>天上榮光歸於神</a:t>
-            </a:r>
-            <a:endParaRPr lang="en-US" altLang="zh-CN" sz="5400" b="1" dirty="0" smtClean="0">
+              <a:t>降生罪人與主親</a:t>
+            </a:r>
+            <a:endParaRPr lang="en-US" altLang="zh-CN" sz="4800" b="1" dirty="0">
               <a:solidFill>
-                <a:srgbClr val="660033"/>
+                <a:srgbClr val="000066"/>
               </a:solidFill>
               <a:latin typeface="微軟正黑體" pitchFamily="34" charset="-120"/>
               <a:ea typeface="微軟正黑體" pitchFamily="34" charset="-120"/>
             </a:endParaRPr>
           </a:p>
+        </p:txBody>
+      </p:sp>
+      <p:sp>
+        <p:nvSpPr>
+          <p:cNvPr id="3" name="TextBox 2"/>
+          <p:cNvSpPr txBox="1"/>
+          <p:nvPr/>
+        </p:nvSpPr>
+        <p:spPr>
+          <a:xfrm>
+            <a:off x="827584" y="1707654"/>
+            <a:ext cx="966632" cy="830997"/>
+          </a:xfrm>
+          <a:prstGeom prst="rect">
+            <a:avLst/>
+          </a:prstGeom>
+          <a:noFill/>
+        </p:spPr>
+        <p:txBody>
+          <a:bodyPr wrap="square" rtlCol="0">
+            <a:spAutoFit/>
+          </a:bodyPr>
+          <a:lstStyle/>
+          <a:p>
+            <a:r>
+              <a:rPr lang="en-US" sz="4800" b="1" dirty="0" smtClean="0">
+                <a:solidFill>
+                  <a:srgbClr val="000066"/>
+                </a:solidFill>
+              </a:rPr>
+              <a:t>3.</a:t>
+            </a:r>
+            <a:endParaRPr lang="vi-VN" sz="4800" b="1" dirty="0">
+              <a:solidFill>
+                <a:srgbClr val="000066"/>
+              </a:solidFill>
+            </a:endParaRPr>
+          </a:p>
+        </p:txBody>
+      </p:sp>
+      <p:sp>
+        <p:nvSpPr>
+          <p:cNvPr id="4" name="TextBox 3"/>
+          <p:cNvSpPr txBox="1"/>
+          <p:nvPr/>
+        </p:nvSpPr>
+        <p:spPr>
+          <a:xfrm>
+            <a:off x="0" y="3795886"/>
+            <a:ext cx="9144000" cy="707886"/>
+          </a:xfrm>
+          <a:prstGeom prst="rect">
+            <a:avLst/>
+          </a:prstGeom>
+          <a:noFill/>
+        </p:spPr>
+        <p:txBody>
+          <a:bodyPr wrap="square" rtlCol="0">
+            <a:spAutoFit/>
+          </a:bodyPr>
+          <a:lstStyle/>
+          <a:p>
+            <a:pPr algn="ctr"/>
+            <a:r>
+              <a:rPr lang="en-US" sz="4000" b="1" dirty="0" smtClean="0">
+                <a:solidFill>
+                  <a:srgbClr val="000066"/>
+                </a:solidFill>
+              </a:rPr>
+              <a:t>( x2 )</a:t>
+            </a:r>
+            <a:endParaRPr lang="vi-VN" sz="4000" b="1" dirty="0">
+              <a:solidFill>
+                <a:srgbClr val="000066"/>
+              </a:solidFill>
+            </a:endParaRPr>
+          </a:p>
+        </p:txBody>
+      </p:sp>
+    </p:spTree>
+    <p:extLst>
+      <p:ext uri="{BB962C8B-B14F-4D97-AF65-F5344CB8AC3E}">
+        <p14:creationId xmlns:p14="http://schemas.microsoft.com/office/powerpoint/2010/main" val="241889525"/>
+      </p:ext>
+    </p:extLst>
+  </p:cSld>
+  <p:clrMapOvr>
+    <a:masterClrMapping/>
+  </p:clrMapOvr>
+</p:sld>
+</file>
+
+<file path=ppt/slides/slide14.xml><?xml version="1.0" encoding="utf-8"?>
+<p:sld xmlns:a="http://schemas.openxmlformats.org/drawingml/2006/main" xmlns:r="http://schemas.openxmlformats.org/officeDocument/2006/relationships" xmlns:p="http://schemas.openxmlformats.org/presentationml/2006/main">
+  <p:cSld>
+    <p:spTree>
+      <p:nvGrpSpPr>
+        <p:cNvPr id="1" name=""/>
+        <p:cNvGrpSpPr/>
+        <p:nvPr/>
+      </p:nvGrpSpPr>
+      <p:grpSpPr>
+        <a:xfrm>
+          <a:off x="0" y="0"/>
+          <a:ext cx="0" cy="0"/>
+          <a:chOff x="0" y="0"/>
+          <a:chExt cx="0" cy="0"/>
+        </a:xfrm>
+      </p:grpSpPr>
+      <p:sp>
+        <p:nvSpPr>
+          <p:cNvPr id="5" name="內容版面配置區 4"/>
+          <p:cNvSpPr>
+            <a:spLocks noGrp="1"/>
+          </p:cNvSpPr>
+          <p:nvPr>
+            <p:ph idx="1"/>
+          </p:nvPr>
+        </p:nvSpPr>
+        <p:spPr>
+          <a:xfrm>
+            <a:off x="0" y="1563638"/>
+            <a:ext cx="9144000" cy="1803647"/>
+          </a:xfrm>
+        </p:spPr>
+        <p:txBody>
+          <a:bodyPr anchor="ctr">
+            <a:normAutofit/>
+          </a:bodyPr>
+          <a:lstStyle/>
           <a:p>
             <a:pPr algn="ctr">
               <a:buNone/>
             </a:pPr>
             <a:r>
-              <a:rPr lang="zh-CN" altLang="en-US" sz="5400" b="1" dirty="0" smtClean="0">
-                <a:solidFill>
-                  <a:srgbClr val="660033"/>
+              <a:rPr lang="zh-CN" altLang="en-US" sz="4800" b="1" dirty="0">
+                <a:solidFill>
+                  <a:srgbClr val="000066"/>
                 </a:solidFill>
                 <a:latin typeface="微軟正黑體" pitchFamily="34" charset="-120"/>
                 <a:ea typeface="微軟正黑體" pitchFamily="34" charset="-120"/>
               </a:rPr>
-              <a:t>地上平安人蒙恩</a:t>
-            </a:r>
-            <a:endParaRPr lang="en-US" altLang="zh-CN" sz="5400" b="1" dirty="0" smtClean="0">
+              <a:t>萬國救主萬國王</a:t>
+            </a:r>
+            <a:endParaRPr lang="en-US" altLang="zh-CN" sz="4800" b="1" dirty="0">
               <a:solidFill>
-                <a:srgbClr val="660033"/>
+                <a:srgbClr val="000066"/>
               </a:solidFill>
               <a:latin typeface="微軟正黑體" pitchFamily="34" charset="-120"/>
               <a:ea typeface="微軟正黑體" pitchFamily="34" charset="-120"/>
             </a:endParaRPr>
           </a:p>
+          <a:p>
+            <a:pPr algn="ctr">
+              <a:buNone/>
+            </a:pPr>
+            <a:r>
+              <a:rPr lang="zh-CN" altLang="en-US" sz="4800" b="1" dirty="0">
+                <a:solidFill>
+                  <a:srgbClr val="000066"/>
+                </a:solidFill>
+                <a:latin typeface="微軟正黑體" pitchFamily="34" charset="-120"/>
+                <a:ea typeface="微軟正黑體" pitchFamily="34" charset="-120"/>
+              </a:rPr>
+              <a:t>願你居於我心房</a:t>
+            </a:r>
+            <a:endParaRPr lang="en-US" altLang="zh-CN" sz="4800" b="1" dirty="0">
+              <a:solidFill>
+                <a:srgbClr val="000066"/>
+              </a:solidFill>
+              <a:latin typeface="微軟正黑體" pitchFamily="34" charset="-120"/>
+              <a:ea typeface="微軟正黑體" pitchFamily="34" charset="-120"/>
+            </a:endParaRPr>
+          </a:p>
+        </p:txBody>
+      </p:sp>
+      <p:sp>
+        <p:nvSpPr>
+          <p:cNvPr id="3" name="TextBox 2"/>
+          <p:cNvSpPr txBox="1"/>
+          <p:nvPr/>
+        </p:nvSpPr>
+        <p:spPr>
+          <a:xfrm>
+            <a:off x="827584" y="1707654"/>
+            <a:ext cx="966632" cy="830997"/>
+          </a:xfrm>
+          <a:prstGeom prst="rect">
+            <a:avLst/>
+          </a:prstGeom>
+          <a:noFill/>
+        </p:spPr>
+        <p:txBody>
+          <a:bodyPr wrap="square" rtlCol="0">
+            <a:spAutoFit/>
+          </a:bodyPr>
+          <a:lstStyle/>
+          <a:p>
+            <a:r>
+              <a:rPr lang="en-US" sz="4800" b="1" dirty="0" smtClean="0">
+                <a:solidFill>
+                  <a:srgbClr val="000066"/>
+                </a:solidFill>
+              </a:rPr>
+              <a:t>4.</a:t>
+            </a:r>
+            <a:endParaRPr lang="vi-VN" sz="4800" b="1" dirty="0">
+              <a:solidFill>
+                <a:srgbClr val="000066"/>
+              </a:solidFill>
+            </a:endParaRPr>
+          </a:p>
         </p:txBody>
       </p:sp>
     </p:spTree>
+    <p:extLst>
+      <p:ext uri="{BB962C8B-B14F-4D97-AF65-F5344CB8AC3E}">
+        <p14:creationId xmlns:p14="http://schemas.microsoft.com/office/powerpoint/2010/main" val="64504826"/>
+      </p:ext>
+    </p:extLst>
   </p:cSld>
   <p:clrMapOvr>
     <a:masterClrMapping/>
   </p:clrMapOvr>
-  <p:timing>
-    <p:tnLst>
-      <p:par>
-        <p:cTn id="1" dur="indefinite" restart="never" nodeType="tmRoot"/>
-      </p:par>
-    </p:tnLst>
-  </p:timing>
+</p:sld>
+</file>
+
+<file path=ppt/slides/slide15.xml><?xml version="1.0" encoding="utf-8"?>
+<p:sld xmlns:a="http://schemas.openxmlformats.org/drawingml/2006/main" xmlns:r="http://schemas.openxmlformats.org/officeDocument/2006/relationships" xmlns:p="http://schemas.openxmlformats.org/presentationml/2006/main">
+  <p:cSld>
+    <p:spTree>
+      <p:nvGrpSpPr>
+        <p:cNvPr id="1" name=""/>
+        <p:cNvGrpSpPr/>
+        <p:nvPr/>
+      </p:nvGrpSpPr>
+      <p:grpSpPr>
+        <a:xfrm>
+          <a:off x="0" y="0"/>
+          <a:ext cx="0" cy="0"/>
+          <a:chOff x="0" y="0"/>
+          <a:chExt cx="0" cy="0"/>
+        </a:xfrm>
+      </p:grpSpPr>
+      <p:sp>
+        <p:nvSpPr>
+          <p:cNvPr id="5" name="內容版面配置區 4"/>
+          <p:cNvSpPr>
+            <a:spLocks noGrp="1"/>
+          </p:cNvSpPr>
+          <p:nvPr>
+            <p:ph idx="1"/>
+          </p:nvPr>
+        </p:nvSpPr>
+        <p:spPr>
+          <a:xfrm>
+            <a:off x="0" y="1563638"/>
+            <a:ext cx="9144000" cy="1803647"/>
+          </a:xfrm>
+        </p:spPr>
+        <p:txBody>
+          <a:bodyPr anchor="ctr">
+            <a:normAutofit/>
+          </a:bodyPr>
+          <a:lstStyle/>
+          <a:p>
+            <a:pPr algn="ctr">
+              <a:buNone/>
+            </a:pPr>
+            <a:r>
+              <a:rPr lang="zh-CN" altLang="en-US" sz="4800" b="1" dirty="0">
+                <a:solidFill>
+                  <a:srgbClr val="000066"/>
+                </a:solidFill>
+                <a:latin typeface="微軟正黑體" pitchFamily="34" charset="-120"/>
+                <a:ea typeface="微軟正黑體" pitchFamily="34" charset="-120"/>
+              </a:rPr>
+              <a:t>魔鬼權勢全敗挫</a:t>
+            </a:r>
+            <a:endParaRPr lang="en-US" altLang="zh-CN" sz="4800" b="1" dirty="0">
+              <a:solidFill>
+                <a:srgbClr val="000066"/>
+              </a:solidFill>
+              <a:latin typeface="微軟正黑體" pitchFamily="34" charset="-120"/>
+              <a:ea typeface="微軟正黑體" pitchFamily="34" charset="-120"/>
+            </a:endParaRPr>
+          </a:p>
+          <a:p>
+            <a:pPr algn="ctr">
+              <a:buNone/>
+            </a:pPr>
+            <a:r>
+              <a:rPr lang="zh-CN" altLang="en-US" sz="4800" b="1" dirty="0">
+                <a:solidFill>
+                  <a:srgbClr val="000066"/>
+                </a:solidFill>
+                <a:latin typeface="微軟正黑體" pitchFamily="34" charset="-120"/>
+                <a:ea typeface="微軟正黑體" pitchFamily="34" charset="-120"/>
+              </a:rPr>
+              <a:t>使我勝過諸罪惡</a:t>
+            </a:r>
+            <a:endParaRPr lang="en-US" altLang="zh-CN" sz="4800" b="1" dirty="0">
+              <a:solidFill>
+                <a:srgbClr val="000066"/>
+              </a:solidFill>
+              <a:latin typeface="微軟正黑體" pitchFamily="34" charset="-120"/>
+              <a:ea typeface="微軟正黑體" pitchFamily="34" charset="-120"/>
+            </a:endParaRPr>
+          </a:p>
+        </p:txBody>
+      </p:sp>
+      <p:sp>
+        <p:nvSpPr>
+          <p:cNvPr id="3" name="TextBox 2"/>
+          <p:cNvSpPr txBox="1"/>
+          <p:nvPr/>
+        </p:nvSpPr>
+        <p:spPr>
+          <a:xfrm>
+            <a:off x="827584" y="1707654"/>
+            <a:ext cx="966632" cy="830997"/>
+          </a:xfrm>
+          <a:prstGeom prst="rect">
+            <a:avLst/>
+          </a:prstGeom>
+          <a:noFill/>
+        </p:spPr>
+        <p:txBody>
+          <a:bodyPr wrap="square" rtlCol="0">
+            <a:spAutoFit/>
+          </a:bodyPr>
+          <a:lstStyle/>
+          <a:p>
+            <a:r>
+              <a:rPr lang="en-US" sz="4800" b="1" dirty="0" smtClean="0">
+                <a:solidFill>
+                  <a:srgbClr val="000066"/>
+                </a:solidFill>
+              </a:rPr>
+              <a:t>4.</a:t>
+            </a:r>
+            <a:endParaRPr lang="vi-VN" sz="4800" b="1" dirty="0">
+              <a:solidFill>
+                <a:srgbClr val="000066"/>
+              </a:solidFill>
+            </a:endParaRPr>
+          </a:p>
+        </p:txBody>
+      </p:sp>
+    </p:spTree>
+    <p:extLst>
+      <p:ext uri="{BB962C8B-B14F-4D97-AF65-F5344CB8AC3E}">
+        <p14:creationId xmlns:p14="http://schemas.microsoft.com/office/powerpoint/2010/main" val="2532974067"/>
+      </p:ext>
+    </p:extLst>
+  </p:cSld>
+  <p:clrMapOvr>
+    <a:masterClrMapping/>
+  </p:clrMapOvr>
+</p:sld>
+</file>
+
+<file path=ppt/slides/slide16.xml><?xml version="1.0" encoding="utf-8"?>
+<p:sld xmlns:a="http://schemas.openxmlformats.org/drawingml/2006/main" xmlns:r="http://schemas.openxmlformats.org/officeDocument/2006/relationships" xmlns:p="http://schemas.openxmlformats.org/presentationml/2006/main">
+  <p:cSld>
+    <p:spTree>
+      <p:nvGrpSpPr>
+        <p:cNvPr id="1" name=""/>
+        <p:cNvGrpSpPr/>
+        <p:nvPr/>
+      </p:nvGrpSpPr>
+      <p:grpSpPr>
+        <a:xfrm>
+          <a:off x="0" y="0"/>
+          <a:ext cx="0" cy="0"/>
+          <a:chOff x="0" y="0"/>
+          <a:chExt cx="0" cy="0"/>
+        </a:xfrm>
+      </p:grpSpPr>
+      <p:sp>
+        <p:nvSpPr>
+          <p:cNvPr id="5" name="內容版面配置區 4"/>
+          <p:cNvSpPr>
+            <a:spLocks noGrp="1"/>
+          </p:cNvSpPr>
+          <p:nvPr>
+            <p:ph idx="1"/>
+          </p:nvPr>
+        </p:nvSpPr>
+        <p:spPr>
+          <a:xfrm>
+            <a:off x="0" y="1563638"/>
+            <a:ext cx="9144000" cy="1803647"/>
+          </a:xfrm>
+        </p:spPr>
+        <p:txBody>
+          <a:bodyPr anchor="ctr">
+            <a:normAutofit/>
+          </a:bodyPr>
+          <a:lstStyle/>
+          <a:p>
+            <a:pPr algn="ctr">
+              <a:buNone/>
+            </a:pPr>
+            <a:r>
+              <a:rPr lang="zh-CN" altLang="en-US" sz="4800" b="1" dirty="0">
+                <a:solidFill>
+                  <a:srgbClr val="000066"/>
+                </a:solidFill>
+                <a:latin typeface="微軟正黑體" pitchFamily="34" charset="-120"/>
+                <a:ea typeface="微軟正黑體" pitchFamily="34" charset="-120"/>
+              </a:rPr>
+              <a:t>聽啊天使列成行</a:t>
+            </a:r>
+            <a:endParaRPr lang="en-US" altLang="zh-CN" sz="4800" b="1" dirty="0">
+              <a:solidFill>
+                <a:srgbClr val="000066"/>
+              </a:solidFill>
+              <a:latin typeface="微軟正黑體" pitchFamily="34" charset="-120"/>
+              <a:ea typeface="微軟正黑體" pitchFamily="34" charset="-120"/>
+            </a:endParaRPr>
+          </a:p>
+          <a:p>
+            <a:pPr algn="ctr">
+              <a:buNone/>
+            </a:pPr>
+            <a:r>
+              <a:rPr lang="zh-CN" altLang="en-US" sz="4800" b="1" dirty="0">
+                <a:solidFill>
+                  <a:srgbClr val="000066"/>
+                </a:solidFill>
+                <a:latin typeface="微軟正黑體" pitchFamily="34" charset="-120"/>
+                <a:ea typeface="微軟正黑體" pitchFamily="34" charset="-120"/>
+              </a:rPr>
+              <a:t>竭力同讚新生王</a:t>
+            </a:r>
+            <a:endParaRPr lang="en-US" altLang="zh-CN" sz="4800" b="1" dirty="0">
+              <a:solidFill>
+                <a:srgbClr val="000066"/>
+              </a:solidFill>
+              <a:latin typeface="微軟正黑體" pitchFamily="34" charset="-120"/>
+              <a:ea typeface="微軟正黑體" pitchFamily="34" charset="-120"/>
+            </a:endParaRPr>
+          </a:p>
+        </p:txBody>
+      </p:sp>
+      <p:sp>
+        <p:nvSpPr>
+          <p:cNvPr id="3" name="TextBox 2"/>
+          <p:cNvSpPr txBox="1"/>
+          <p:nvPr/>
+        </p:nvSpPr>
+        <p:spPr>
+          <a:xfrm>
+            <a:off x="827584" y="1707654"/>
+            <a:ext cx="966632" cy="830997"/>
+          </a:xfrm>
+          <a:prstGeom prst="rect">
+            <a:avLst/>
+          </a:prstGeom>
+          <a:noFill/>
+        </p:spPr>
+        <p:txBody>
+          <a:bodyPr wrap="square" rtlCol="0">
+            <a:spAutoFit/>
+          </a:bodyPr>
+          <a:lstStyle/>
+          <a:p>
+            <a:r>
+              <a:rPr lang="en-US" sz="4800" b="1" dirty="0" smtClean="0">
+                <a:solidFill>
+                  <a:srgbClr val="000066"/>
+                </a:solidFill>
+              </a:rPr>
+              <a:t>4.</a:t>
+            </a:r>
+            <a:endParaRPr lang="vi-VN" sz="4800" b="1" dirty="0">
+              <a:solidFill>
+                <a:srgbClr val="000066"/>
+              </a:solidFill>
+            </a:endParaRPr>
+          </a:p>
+        </p:txBody>
+      </p:sp>
+    </p:spTree>
+    <p:extLst>
+      <p:ext uri="{BB962C8B-B14F-4D97-AF65-F5344CB8AC3E}">
+        <p14:creationId xmlns:p14="http://schemas.microsoft.com/office/powerpoint/2010/main" val="1333383711"/>
+      </p:ext>
+    </p:extLst>
+  </p:cSld>
+  <p:clrMapOvr>
+    <a:masterClrMapping/>
+  </p:clrMapOvr>
+</p:sld>
+</file>
+
+<file path=ppt/slides/slide17.xml><?xml version="1.0" encoding="utf-8"?>
+<p:sld xmlns:a="http://schemas.openxmlformats.org/drawingml/2006/main" xmlns:r="http://schemas.openxmlformats.org/officeDocument/2006/relationships" xmlns:p="http://schemas.openxmlformats.org/presentationml/2006/main">
+  <p:cSld>
+    <p:spTree>
+      <p:nvGrpSpPr>
+        <p:cNvPr id="1" name=""/>
+        <p:cNvGrpSpPr/>
+        <p:nvPr/>
+      </p:nvGrpSpPr>
+      <p:grpSpPr>
+        <a:xfrm>
+          <a:off x="0" y="0"/>
+          <a:ext cx="0" cy="0"/>
+          <a:chOff x="0" y="0"/>
+          <a:chExt cx="0" cy="0"/>
+        </a:xfrm>
+      </p:grpSpPr>
+      <p:sp>
+        <p:nvSpPr>
+          <p:cNvPr id="5" name="內容版面配置區 4"/>
+          <p:cNvSpPr>
+            <a:spLocks noGrp="1"/>
+          </p:cNvSpPr>
+          <p:nvPr>
+            <p:ph idx="1"/>
+          </p:nvPr>
+        </p:nvSpPr>
+        <p:spPr>
+          <a:xfrm>
+            <a:off x="0" y="1563638"/>
+            <a:ext cx="9144000" cy="1803647"/>
+          </a:xfrm>
+        </p:spPr>
+        <p:txBody>
+          <a:bodyPr anchor="ctr">
+            <a:normAutofit/>
+          </a:bodyPr>
+          <a:lstStyle/>
+          <a:p>
+            <a:pPr algn="ctr">
+              <a:buNone/>
+            </a:pPr>
+            <a:r>
+              <a:rPr lang="zh-CN" altLang="en-US" sz="4800" b="1" dirty="0">
+                <a:solidFill>
+                  <a:srgbClr val="000066"/>
+                </a:solidFill>
+                <a:latin typeface="微軟正黑體" pitchFamily="34" charset="-120"/>
+                <a:ea typeface="微軟正黑體" pitchFamily="34" charset="-120"/>
+              </a:rPr>
+              <a:t>天上榮光歸於神</a:t>
+            </a:r>
+            <a:endParaRPr lang="en-US" altLang="zh-CN" sz="4800" b="1" dirty="0">
+              <a:solidFill>
+                <a:srgbClr val="000066"/>
+              </a:solidFill>
+              <a:latin typeface="微軟正黑體" pitchFamily="34" charset="-120"/>
+              <a:ea typeface="微軟正黑體" pitchFamily="34" charset="-120"/>
+            </a:endParaRPr>
+          </a:p>
+          <a:p>
+            <a:pPr algn="ctr">
+              <a:buNone/>
+            </a:pPr>
+            <a:r>
+              <a:rPr lang="zh-CN" altLang="en-US" sz="4800" b="1" dirty="0">
+                <a:solidFill>
+                  <a:srgbClr val="000066"/>
+                </a:solidFill>
+                <a:latin typeface="微軟正黑體" pitchFamily="34" charset="-120"/>
+                <a:ea typeface="微軟正黑體" pitchFamily="34" charset="-120"/>
+              </a:rPr>
+              <a:t>地上平安人蒙恩</a:t>
+            </a:r>
+            <a:endParaRPr lang="en-US" altLang="zh-CN" sz="4800" b="1" dirty="0">
+              <a:solidFill>
+                <a:srgbClr val="000066"/>
+              </a:solidFill>
+              <a:latin typeface="微軟正黑體" pitchFamily="34" charset="-120"/>
+              <a:ea typeface="微軟正黑體" pitchFamily="34" charset="-120"/>
+            </a:endParaRPr>
+          </a:p>
+        </p:txBody>
+      </p:sp>
+      <p:sp>
+        <p:nvSpPr>
+          <p:cNvPr id="3" name="TextBox 2"/>
+          <p:cNvSpPr txBox="1"/>
+          <p:nvPr/>
+        </p:nvSpPr>
+        <p:spPr>
+          <a:xfrm>
+            <a:off x="827584" y="1707654"/>
+            <a:ext cx="966632" cy="830997"/>
+          </a:xfrm>
+          <a:prstGeom prst="rect">
+            <a:avLst/>
+          </a:prstGeom>
+          <a:noFill/>
+        </p:spPr>
+        <p:txBody>
+          <a:bodyPr wrap="square" rtlCol="0">
+            <a:spAutoFit/>
+          </a:bodyPr>
+          <a:lstStyle/>
+          <a:p>
+            <a:r>
+              <a:rPr lang="en-US" sz="4800" b="1" dirty="0">
+                <a:solidFill>
+                  <a:srgbClr val="000066"/>
+                </a:solidFill>
+              </a:rPr>
+              <a:t>4</a:t>
+            </a:r>
+            <a:r>
+              <a:rPr lang="en-US" sz="4800" b="1" dirty="0" smtClean="0">
+                <a:solidFill>
+                  <a:srgbClr val="000066"/>
+                </a:solidFill>
+              </a:rPr>
+              <a:t>.</a:t>
+            </a:r>
+            <a:endParaRPr lang="vi-VN" sz="4800" b="1" dirty="0">
+              <a:solidFill>
+                <a:srgbClr val="000066"/>
+              </a:solidFill>
+            </a:endParaRPr>
+          </a:p>
+        </p:txBody>
+      </p:sp>
+      <p:sp>
+        <p:nvSpPr>
+          <p:cNvPr id="4" name="TextBox 3"/>
+          <p:cNvSpPr txBox="1"/>
+          <p:nvPr/>
+        </p:nvSpPr>
+        <p:spPr>
+          <a:xfrm>
+            <a:off x="0" y="3795886"/>
+            <a:ext cx="9144000" cy="707886"/>
+          </a:xfrm>
+          <a:prstGeom prst="rect">
+            <a:avLst/>
+          </a:prstGeom>
+          <a:noFill/>
+        </p:spPr>
+        <p:txBody>
+          <a:bodyPr wrap="square" rtlCol="0">
+            <a:spAutoFit/>
+          </a:bodyPr>
+          <a:lstStyle/>
+          <a:p>
+            <a:pPr algn="ctr"/>
+            <a:r>
+              <a:rPr lang="en-US" sz="4000" b="1" dirty="0" smtClean="0">
+                <a:solidFill>
+                  <a:srgbClr val="000066"/>
+                </a:solidFill>
+              </a:rPr>
+              <a:t>( x2 )</a:t>
+            </a:r>
+            <a:endParaRPr lang="vi-VN" sz="4000" b="1" dirty="0">
+              <a:solidFill>
+                <a:srgbClr val="000066"/>
+              </a:solidFill>
+            </a:endParaRPr>
+          </a:p>
+        </p:txBody>
+      </p:sp>
+    </p:spTree>
+    <p:extLst>
+      <p:ext uri="{BB962C8B-B14F-4D97-AF65-F5344CB8AC3E}">
+        <p14:creationId xmlns:p14="http://schemas.microsoft.com/office/powerpoint/2010/main" val="430302759"/>
+      </p:ext>
+    </p:extLst>
+  </p:cSld>
+  <p:clrMapOvr>
+    <a:masterClrMapping/>
+  </p:clrMapOvr>
 </p:sld>
 </file>
 
@@ -3789,113 +4469,129 @@
       </p:grpSpPr>
       <p:sp>
         <p:nvSpPr>
-          <p:cNvPr id="4" name="Title 3"/>
-          <p:cNvSpPr>
-            <a:spLocks noGrp="1"/>
-          </p:cNvSpPr>
-          <p:nvPr>
-            <p:ph type="title"/>
-          </p:nvPr>
-        </p:nvSpPr>
-        <p:spPr/>
-        <p:txBody>
-          <a:bodyPr/>
-          <a:lstStyle/>
-          <a:p>
-            <a:r>
-              <a:rPr lang="zh-CN" altLang="en-US" b="1" dirty="0" smtClean="0">
-                <a:solidFill>
-                  <a:srgbClr val="660033"/>
+          <p:cNvPr id="5" name="內容版面配置區 4"/>
+          <p:cNvSpPr>
+            <a:spLocks noGrp="1"/>
+          </p:cNvSpPr>
+          <p:nvPr>
+            <p:ph idx="1"/>
+          </p:nvPr>
+        </p:nvSpPr>
+        <p:spPr>
+          <a:xfrm>
+            <a:off x="0" y="1563638"/>
+            <a:ext cx="9144000" cy="1803647"/>
+          </a:xfrm>
+        </p:spPr>
+        <p:txBody>
+          <a:bodyPr anchor="ctr">
+            <a:normAutofit/>
+          </a:bodyPr>
+          <a:lstStyle/>
+          <a:p>
+            <a:pPr algn="ctr">
+              <a:buNone/>
+            </a:pPr>
+            <a:r>
+              <a:rPr lang="zh-CN" altLang="en-US" sz="4800" b="1" dirty="0">
+                <a:solidFill>
+                  <a:srgbClr val="000066"/>
                 </a:solidFill>
                 <a:latin typeface="微軟正黑體" pitchFamily="34" charset="-120"/>
                 <a:ea typeface="微軟正黑體" pitchFamily="34" charset="-120"/>
               </a:rPr>
-              <a:t>天使報信</a:t>
-            </a:r>
-            <a:endParaRPr lang="en-US" b="1" dirty="0">
+              <a:t>聽啊天使唱高</a:t>
+            </a:r>
+            <a:r>
+              <a:rPr lang="zh-CN" altLang="en-US" sz="4800" b="1" dirty="0" smtClean="0">
+                <a:solidFill>
+                  <a:srgbClr val="000066"/>
+                </a:solidFill>
+                <a:latin typeface="微軟正黑體" pitchFamily="34" charset="-120"/>
+                <a:ea typeface="微軟正黑體" pitchFamily="34" charset="-120"/>
+              </a:rPr>
+              <a:t>聲</a:t>
+            </a:r>
+            <a:endParaRPr lang="en-US" altLang="zh-CN" sz="4800" b="1" dirty="0" smtClean="0">
               <a:solidFill>
-                <a:srgbClr val="660033"/>
+                <a:srgbClr val="000066"/>
               </a:solidFill>
               <a:latin typeface="微軟正黑體" pitchFamily="34" charset="-120"/>
               <a:ea typeface="微軟正黑體" pitchFamily="34" charset="-120"/>
             </a:endParaRPr>
           </a:p>
-        </p:txBody>
-      </p:sp>
-      <p:sp>
-        <p:nvSpPr>
-          <p:cNvPr id="5" name="Content Placeholder 4"/>
-          <p:cNvSpPr>
-            <a:spLocks noGrp="1"/>
-          </p:cNvSpPr>
-          <p:nvPr>
-            <p:ph idx="1"/>
-          </p:nvPr>
-        </p:nvSpPr>
-        <p:spPr/>
-        <p:txBody>
-          <a:bodyPr>
-            <a:normAutofit/>
-          </a:bodyPr>
-          <a:lstStyle/>
           <a:p>
             <a:pPr algn="ctr">
               <a:buNone/>
             </a:pPr>
             <a:r>
-              <a:rPr lang="zh-CN" altLang="en-US" sz="5400" b="1" dirty="0" smtClean="0">
-                <a:solidFill>
-                  <a:srgbClr val="660033"/>
+              <a:rPr lang="zh-CN" altLang="en-US" sz="4800" b="1" dirty="0" smtClean="0">
+                <a:solidFill>
+                  <a:srgbClr val="000066"/>
                 </a:solidFill>
                 <a:latin typeface="微軟正黑體" pitchFamily="34" charset="-120"/>
                 <a:ea typeface="微軟正黑體" pitchFamily="34" charset="-120"/>
               </a:rPr>
-              <a:t>世間遠近大小邦</a:t>
-            </a:r>
-            <a:endParaRPr lang="en-US" altLang="zh-CN" sz="5400" b="1" dirty="0" smtClean="0">
+              <a:t>報知耶穌今降生</a:t>
+            </a:r>
+            <a:endParaRPr lang="en-US" altLang="zh-CN" sz="4800" b="1" dirty="0">
               <a:solidFill>
-                <a:srgbClr val="660033"/>
+                <a:srgbClr val="000066"/>
               </a:solidFill>
               <a:latin typeface="微軟正黑體" pitchFamily="34" charset="-120"/>
               <a:ea typeface="微軟正黑體" pitchFamily="34" charset="-120"/>
             </a:endParaRPr>
           </a:p>
-          <a:p>
-            <a:pPr algn="ctr">
-              <a:buNone/>
-            </a:pPr>
-            <a:r>
-              <a:rPr lang="zh-CN" altLang="en-US" sz="5400" b="1" dirty="0" smtClean="0">
-                <a:solidFill>
-                  <a:srgbClr val="660033"/>
-                </a:solidFill>
-                <a:latin typeface="微軟正黑體" pitchFamily="34" charset="-120"/>
-                <a:ea typeface="微軟正黑體" pitchFamily="34" charset="-120"/>
-              </a:rPr>
-              <a:t>皆當興起共頌揚</a:t>
-            </a:r>
-            <a:endParaRPr lang="en-US" sz="5400" b="1" dirty="0">
+        </p:txBody>
+      </p:sp>
+      <p:sp>
+        <p:nvSpPr>
+          <p:cNvPr id="3" name="TextBox 2"/>
+          <p:cNvSpPr txBox="1"/>
+          <p:nvPr/>
+        </p:nvSpPr>
+        <p:spPr>
+          <a:xfrm>
+            <a:off x="827584" y="1707654"/>
+            <a:ext cx="966632" cy="830997"/>
+          </a:xfrm>
+          <a:prstGeom prst="rect">
+            <a:avLst/>
+          </a:prstGeom>
+          <a:noFill/>
+        </p:spPr>
+        <p:txBody>
+          <a:bodyPr wrap="square" rtlCol="0">
+            <a:spAutoFit/>
+          </a:bodyPr>
+          <a:lstStyle/>
+          <a:p>
+            <a:r>
+              <a:rPr lang="en-US" sz="4800" b="1" dirty="0" smtClean="0">
+                <a:solidFill>
+                  <a:srgbClr val="000066"/>
+                </a:solidFill>
+              </a:rPr>
+              <a:t>1.</a:t>
+            </a:r>
+            <a:endParaRPr lang="vi-VN" sz="4800" b="1" dirty="0">
               <a:solidFill>
-                <a:srgbClr val="660033"/>
+                <a:srgbClr val="000066"/>
               </a:solidFill>
-              <a:latin typeface="微軟正黑體" pitchFamily="34" charset="-120"/>
-              <a:ea typeface="微軟正黑體" pitchFamily="34" charset="-120"/>
             </a:endParaRPr>
           </a:p>
         </p:txBody>
       </p:sp>
     </p:spTree>
+    <p:extLst>
+      <p:ext uri="{BB962C8B-B14F-4D97-AF65-F5344CB8AC3E}">
+        <p14:creationId xmlns:p14="http://schemas.microsoft.com/office/powerpoint/2010/main" val="1896483775"/>
+      </p:ext>
+    </p:extLst>
   </p:cSld>
   <p:clrMapOvr>
     <a:masterClrMapping/>
   </p:clrMapOvr>
-  <p:timing>
-    <p:tnLst>
-      <p:par>
-        <p:cTn id="1" dur="indefinite" restart="never" nodeType="tmRoot"/>
-      </p:par>
-    </p:tnLst>
-  </p:timing>
 </p:sld>
 </file>
 
@@ -3918,167 +4614,119 @@
       </p:grpSpPr>
       <p:sp>
         <p:nvSpPr>
-          <p:cNvPr id="4" name="Title 3"/>
-          <p:cNvSpPr>
-            <a:spLocks noGrp="1"/>
-          </p:cNvSpPr>
-          <p:nvPr>
-            <p:ph type="title"/>
-          </p:nvPr>
-        </p:nvSpPr>
-        <p:spPr/>
-        <p:txBody>
-          <a:bodyPr/>
-          <a:lstStyle/>
-          <a:p>
-            <a:r>
-              <a:rPr lang="zh-CN" altLang="en-US" b="1" dirty="0" smtClean="0">
-                <a:solidFill>
-                  <a:srgbClr val="660033"/>
+          <p:cNvPr id="5" name="內容版面配置區 4"/>
+          <p:cNvSpPr>
+            <a:spLocks noGrp="1"/>
+          </p:cNvSpPr>
+          <p:nvPr>
+            <p:ph idx="1"/>
+          </p:nvPr>
+        </p:nvSpPr>
+        <p:spPr>
+          <a:xfrm>
+            <a:off x="0" y="1563638"/>
+            <a:ext cx="9144000" cy="1803647"/>
+          </a:xfrm>
+        </p:spPr>
+        <p:txBody>
+          <a:bodyPr anchor="ctr">
+            <a:normAutofit/>
+          </a:bodyPr>
+          <a:lstStyle/>
+          <a:p>
+            <a:pPr algn="ctr">
+              <a:buNone/>
+            </a:pPr>
+            <a:r>
+              <a:rPr lang="zh-CN" altLang="en-US" sz="4800" b="1" dirty="0">
+                <a:solidFill>
+                  <a:srgbClr val="000066"/>
                 </a:solidFill>
                 <a:latin typeface="微軟正黑體" pitchFamily="34" charset="-120"/>
                 <a:ea typeface="微軟正黑體" pitchFamily="34" charset="-120"/>
               </a:rPr>
-              <a:t>天使報信</a:t>
-            </a:r>
-            <a:endParaRPr lang="en-US" b="1" dirty="0">
+              <a:t>天上榮光歸於神</a:t>
+            </a:r>
+            <a:endParaRPr lang="en-US" altLang="zh-CN" sz="4800" b="1" dirty="0">
               <a:solidFill>
-                <a:srgbClr val="660033"/>
+                <a:srgbClr val="000066"/>
               </a:solidFill>
               <a:latin typeface="微軟正黑體" pitchFamily="34" charset="-120"/>
               <a:ea typeface="微軟正黑體" pitchFamily="34" charset="-120"/>
             </a:endParaRPr>
           </a:p>
-        </p:txBody>
-      </p:sp>
-      <p:sp>
-        <p:nvSpPr>
-          <p:cNvPr id="5" name="Content Placeholder 4"/>
-          <p:cNvSpPr>
-            <a:spLocks noGrp="1"/>
-          </p:cNvSpPr>
-          <p:nvPr>
-            <p:ph idx="1"/>
-          </p:nvPr>
-        </p:nvSpPr>
-        <p:spPr/>
-        <p:txBody>
-          <a:bodyPr>
-            <a:normAutofit fontScale="92500" lnSpcReduction="10000"/>
-          </a:bodyPr>
-          <a:lstStyle/>
           <a:p>
             <a:pPr algn="ctr">
               <a:buNone/>
             </a:pPr>
             <a:r>
-              <a:rPr lang="zh-CN" altLang="en-US" sz="5400" b="1" dirty="0" smtClean="0">
-                <a:solidFill>
-                  <a:srgbClr val="660033"/>
+              <a:rPr lang="zh-CN" altLang="en-US" sz="4800" b="1" dirty="0">
+                <a:solidFill>
+                  <a:srgbClr val="000066"/>
                 </a:solidFill>
                 <a:latin typeface="微軟正黑體" pitchFamily="34" charset="-120"/>
                 <a:ea typeface="微軟正黑體" pitchFamily="34" charset="-120"/>
               </a:rPr>
-              <a:t>天唱地和喜不勝</a:t>
-            </a:r>
-            <a:endParaRPr lang="en-US" altLang="zh-CN" sz="5400" b="1" dirty="0" smtClean="0">
+              <a:t>地上平安人蒙恩</a:t>
+            </a:r>
+            <a:endParaRPr lang="en-US" sz="4800" b="1" dirty="0">
               <a:solidFill>
-                <a:srgbClr val="660033"/>
+                <a:srgbClr val="000066"/>
               </a:solidFill>
               <a:latin typeface="微軟正黑體" pitchFamily="34" charset="-120"/>
               <a:ea typeface="微軟正黑體" pitchFamily="34" charset="-120"/>
             </a:endParaRPr>
           </a:p>
-          <a:p>
-            <a:pPr algn="ctr">
-              <a:buNone/>
-            </a:pPr>
-            <a:r>
-              <a:rPr lang="zh-CN" altLang="en-US" sz="5400" b="1" dirty="0">
-                <a:solidFill>
-                  <a:srgbClr val="660033"/>
-                </a:solidFill>
-                <a:latin typeface="微軟正黑體" pitchFamily="34" charset="-120"/>
-                <a:ea typeface="微軟正黑體" pitchFamily="34" charset="-120"/>
-              </a:rPr>
-              <a:t>基</a:t>
-            </a:r>
-            <a:r>
-              <a:rPr lang="zh-CN" altLang="en-US" sz="5400" b="1" dirty="0" smtClean="0">
-                <a:solidFill>
-                  <a:srgbClr val="660033"/>
-                </a:solidFill>
-                <a:latin typeface="微軟正黑體" pitchFamily="34" charset="-120"/>
-                <a:ea typeface="微軟正黑體" pitchFamily="34" charset="-120"/>
-              </a:rPr>
-              <a:t>督生於伯利恆</a:t>
-            </a:r>
-            <a:endParaRPr lang="en-US" altLang="zh-CN" sz="5400" b="1" dirty="0" smtClean="0">
+        </p:txBody>
+      </p:sp>
+      <p:sp>
+        <p:nvSpPr>
+          <p:cNvPr id="3" name="TextBox 2"/>
+          <p:cNvSpPr txBox="1"/>
+          <p:nvPr/>
+        </p:nvSpPr>
+        <p:spPr>
+          <a:xfrm>
+            <a:off x="827584" y="1707654"/>
+            <a:ext cx="966632" cy="830997"/>
+          </a:xfrm>
+          <a:prstGeom prst="rect">
+            <a:avLst/>
+          </a:prstGeom>
+          <a:noFill/>
+        </p:spPr>
+        <p:txBody>
+          <a:bodyPr wrap="square" rtlCol="0">
+            <a:spAutoFit/>
+          </a:bodyPr>
+          <a:lstStyle/>
+          <a:p>
+            <a:r>
+              <a:rPr lang="en-US" sz="4800" b="1" dirty="0" smtClean="0">
+                <a:solidFill>
+                  <a:srgbClr val="000066"/>
+                </a:solidFill>
+              </a:rPr>
+              <a:t>1.</a:t>
+            </a:r>
+            <a:endParaRPr lang="vi-VN" sz="4800" b="1" dirty="0">
               <a:solidFill>
-                <a:srgbClr val="660033"/>
+                <a:srgbClr val="000066"/>
               </a:solidFill>
-              <a:latin typeface="微軟正黑體" pitchFamily="34" charset="-120"/>
-              <a:ea typeface="微軟正黑體" pitchFamily="34" charset="-120"/>
             </a:endParaRPr>
           </a:p>
-          <a:p>
-            <a:pPr algn="ctr">
-              <a:buNone/>
-            </a:pPr>
-            <a:r>
-              <a:rPr lang="zh-CN" altLang="en-US" sz="5400" b="1" dirty="0" smtClean="0">
-                <a:solidFill>
-                  <a:srgbClr val="660033"/>
-                </a:solidFill>
-                <a:latin typeface="微軟正黑體" pitchFamily="34" charset="-120"/>
-                <a:ea typeface="微軟正黑體" pitchFamily="34" charset="-120"/>
-              </a:rPr>
-              <a:t>天唱地和喜不勝</a:t>
-            </a:r>
-            <a:endParaRPr lang="en-US" altLang="zh-CN" sz="5400" b="1" dirty="0" smtClean="0">
-              <a:solidFill>
-                <a:srgbClr val="660033"/>
-              </a:solidFill>
-              <a:latin typeface="微軟正黑體" pitchFamily="34" charset="-120"/>
-              <a:ea typeface="微軟正黑體" pitchFamily="34" charset="-120"/>
-            </a:endParaRPr>
-          </a:p>
-          <a:p>
-            <a:pPr algn="ctr">
-              <a:buNone/>
-            </a:pPr>
-            <a:r>
-              <a:rPr lang="zh-CN" altLang="en-US" sz="5400" b="1" dirty="0" smtClean="0">
-                <a:solidFill>
-                  <a:srgbClr val="660033"/>
-                </a:solidFill>
-                <a:latin typeface="微軟正黑體" pitchFamily="34" charset="-120"/>
-                <a:ea typeface="微軟正黑體" pitchFamily="34" charset="-120"/>
-              </a:rPr>
-              <a:t>基督生於伯利恆</a:t>
-            </a:r>
-            <a:endParaRPr lang="en-US" sz="5400" b="1" dirty="0" smtClean="0">
-              <a:solidFill>
-                <a:srgbClr val="660033"/>
-              </a:solidFill>
-              <a:latin typeface="微軟正黑體" pitchFamily="34" charset="-120"/>
-              <a:ea typeface="微軟正黑體" pitchFamily="34" charset="-120"/>
-            </a:endParaRPr>
-          </a:p>
         </p:txBody>
       </p:sp>
     </p:spTree>
+    <p:extLst>
+      <p:ext uri="{BB962C8B-B14F-4D97-AF65-F5344CB8AC3E}">
+        <p14:creationId xmlns:p14="http://schemas.microsoft.com/office/powerpoint/2010/main" val="2985433270"/>
+      </p:ext>
+    </p:extLst>
   </p:cSld>
   <p:clrMapOvr>
     <a:masterClrMapping/>
   </p:clrMapOvr>
-  <p:timing>
-    <p:tnLst>
-      <p:par>
-        <p:cTn id="1" dur="indefinite" restart="never" nodeType="tmRoot"/>
-      </p:par>
-    </p:tnLst>
-  </p:timing>
 </p:sld>
 </file>
 
@@ -4101,187 +4749,119 @@
       </p:grpSpPr>
       <p:sp>
         <p:nvSpPr>
-          <p:cNvPr id="4" name="Title 3"/>
-          <p:cNvSpPr>
-            <a:spLocks noGrp="1"/>
-          </p:cNvSpPr>
-          <p:nvPr>
-            <p:ph type="title"/>
-          </p:nvPr>
-        </p:nvSpPr>
-        <p:spPr/>
-        <p:txBody>
-          <a:bodyPr/>
-          <a:lstStyle/>
-          <a:p>
-            <a:r>
-              <a:rPr lang="zh-CN" altLang="en-US" b="1" dirty="0" smtClean="0">
-                <a:solidFill>
-                  <a:srgbClr val="660033"/>
+          <p:cNvPr id="5" name="內容版面配置區 4"/>
+          <p:cNvSpPr>
+            <a:spLocks noGrp="1"/>
+          </p:cNvSpPr>
+          <p:nvPr>
+            <p:ph idx="1"/>
+          </p:nvPr>
+        </p:nvSpPr>
+        <p:spPr>
+          <a:xfrm>
+            <a:off x="0" y="1563638"/>
+            <a:ext cx="9144000" cy="1803647"/>
+          </a:xfrm>
+        </p:spPr>
+        <p:txBody>
+          <a:bodyPr anchor="ctr">
+            <a:normAutofit/>
+          </a:bodyPr>
+          <a:lstStyle/>
+          <a:p>
+            <a:pPr algn="ctr">
+              <a:buNone/>
+            </a:pPr>
+            <a:r>
+              <a:rPr lang="zh-CN" altLang="en-US" sz="4800" b="1" dirty="0">
+                <a:solidFill>
+                  <a:srgbClr val="000066"/>
                 </a:solidFill>
                 <a:latin typeface="微軟正黑體" pitchFamily="34" charset="-120"/>
                 <a:ea typeface="微軟正黑體" pitchFamily="34" charset="-120"/>
               </a:rPr>
-              <a:t>天使報信</a:t>
-            </a:r>
-            <a:endParaRPr lang="en-US" b="1" dirty="0">
+              <a:t>世間遠近大小邦</a:t>
+            </a:r>
+            <a:endParaRPr lang="en-US" altLang="zh-CN" sz="4800" b="1" dirty="0">
               <a:solidFill>
-                <a:srgbClr val="660033"/>
+                <a:srgbClr val="000066"/>
               </a:solidFill>
               <a:latin typeface="微軟正黑體" pitchFamily="34" charset="-120"/>
               <a:ea typeface="微軟正黑體" pitchFamily="34" charset="-120"/>
             </a:endParaRPr>
           </a:p>
-        </p:txBody>
-      </p:sp>
-      <p:sp>
-        <p:nvSpPr>
-          <p:cNvPr id="5" name="Content Placeholder 4"/>
-          <p:cNvSpPr>
-            <a:spLocks noGrp="1"/>
-          </p:cNvSpPr>
-          <p:nvPr>
-            <p:ph idx="1"/>
-          </p:nvPr>
-        </p:nvSpPr>
-        <p:spPr/>
-        <p:txBody>
-          <a:bodyPr>
-            <a:normAutofit fontScale="92500" lnSpcReduction="10000"/>
-          </a:bodyPr>
-          <a:lstStyle/>
           <a:p>
             <a:pPr algn="ctr">
               <a:buNone/>
             </a:pPr>
             <a:r>
-              <a:rPr lang="zh-CN" altLang="en-US" sz="5400" b="1" dirty="0" smtClean="0">
-                <a:solidFill>
-                  <a:srgbClr val="660033"/>
+              <a:rPr lang="zh-CN" altLang="en-US" sz="4800" b="1" dirty="0">
+                <a:solidFill>
+                  <a:srgbClr val="000066"/>
                 </a:solidFill>
                 <a:latin typeface="微軟正黑體" pitchFamily="34" charset="-120"/>
                 <a:ea typeface="微軟正黑體" pitchFamily="34" charset="-120"/>
               </a:rPr>
-              <a:t>基督本為永生王</a:t>
-            </a:r>
-            <a:endParaRPr lang="en-US" altLang="zh-CN" sz="5400" b="1" dirty="0" smtClean="0">
+              <a:t>皆當興起共頌揚</a:t>
+            </a:r>
+            <a:endParaRPr lang="en-US" sz="4800" b="1" dirty="0">
               <a:solidFill>
-                <a:srgbClr val="660033"/>
+                <a:srgbClr val="000066"/>
               </a:solidFill>
               <a:latin typeface="微軟正黑體" pitchFamily="34" charset="-120"/>
               <a:ea typeface="微軟正黑體" pitchFamily="34" charset="-120"/>
             </a:endParaRPr>
           </a:p>
-          <a:p>
-            <a:pPr algn="ctr">
-              <a:buNone/>
-            </a:pPr>
-            <a:r>
-              <a:rPr lang="zh-CN" altLang="en-US" sz="5400" b="1" dirty="0">
-                <a:solidFill>
-                  <a:srgbClr val="660033"/>
-                </a:solidFill>
-                <a:latin typeface="微軟正黑體" pitchFamily="34" charset="-120"/>
-                <a:ea typeface="微軟正黑體" pitchFamily="34" charset="-120"/>
-              </a:rPr>
-              <a:t>天</a:t>
-            </a:r>
-            <a:r>
-              <a:rPr lang="zh-CN" altLang="en-US" sz="5400" b="1" dirty="0" smtClean="0">
-                <a:solidFill>
-                  <a:srgbClr val="660033"/>
-                </a:solidFill>
-                <a:latin typeface="微軟正黑體" pitchFamily="34" charset="-120"/>
-                <a:ea typeface="微軟正黑體" pitchFamily="34" charset="-120"/>
-              </a:rPr>
-              <a:t>使敬拜齊頌揚</a:t>
-            </a:r>
-            <a:endParaRPr lang="en-US" altLang="zh-CN" sz="5400" b="1" dirty="0" smtClean="0">
+        </p:txBody>
+      </p:sp>
+      <p:sp>
+        <p:nvSpPr>
+          <p:cNvPr id="3" name="TextBox 2"/>
+          <p:cNvSpPr txBox="1"/>
+          <p:nvPr/>
+        </p:nvSpPr>
+        <p:spPr>
+          <a:xfrm>
+            <a:off x="827584" y="1707654"/>
+            <a:ext cx="966632" cy="830997"/>
+          </a:xfrm>
+          <a:prstGeom prst="rect">
+            <a:avLst/>
+          </a:prstGeom>
+          <a:noFill/>
+        </p:spPr>
+        <p:txBody>
+          <a:bodyPr wrap="square" rtlCol="0">
+            <a:spAutoFit/>
+          </a:bodyPr>
+          <a:lstStyle/>
+          <a:p>
+            <a:r>
+              <a:rPr lang="en-US" sz="4800" b="1" dirty="0" smtClean="0">
+                <a:solidFill>
+                  <a:srgbClr val="000066"/>
+                </a:solidFill>
+              </a:rPr>
+              <a:t>1.</a:t>
+            </a:r>
+            <a:endParaRPr lang="vi-VN" sz="4800" b="1" dirty="0">
               <a:solidFill>
-                <a:srgbClr val="660033"/>
+                <a:srgbClr val="000066"/>
               </a:solidFill>
-              <a:latin typeface="微軟正黑體" pitchFamily="34" charset="-120"/>
-              <a:ea typeface="微軟正黑體" pitchFamily="34" charset="-120"/>
             </a:endParaRPr>
           </a:p>
-          <a:p>
-            <a:pPr algn="ctr">
-              <a:buNone/>
-            </a:pPr>
-            <a:r>
-              <a:rPr lang="zh-CN" altLang="en-US" sz="5400" b="1" dirty="0">
-                <a:solidFill>
-                  <a:srgbClr val="660033"/>
-                </a:solidFill>
-                <a:latin typeface="微軟正黑體" pitchFamily="34" charset="-120"/>
-                <a:ea typeface="微軟正黑體" pitchFamily="34" charset="-120"/>
-              </a:rPr>
-              <a:t>竟</a:t>
-            </a:r>
-            <a:r>
-              <a:rPr lang="zh-CN" altLang="en-US" sz="5400" b="1" dirty="0" smtClean="0">
-                <a:solidFill>
-                  <a:srgbClr val="660033"/>
-                </a:solidFill>
-                <a:latin typeface="微軟正黑體" pitchFamily="34" charset="-120"/>
-                <a:ea typeface="微軟正黑體" pitchFamily="34" charset="-120"/>
-              </a:rPr>
-              <a:t>然虛己由天降</a:t>
-            </a:r>
-            <a:endParaRPr lang="en-US" altLang="zh-CN" sz="5400" b="1" dirty="0" smtClean="0">
-              <a:solidFill>
-                <a:srgbClr val="660033"/>
-              </a:solidFill>
-              <a:latin typeface="微軟正黑體" pitchFamily="34" charset="-120"/>
-              <a:ea typeface="微軟正黑體" pitchFamily="34" charset="-120"/>
-            </a:endParaRPr>
-          </a:p>
-          <a:p>
-            <a:pPr algn="ctr">
-              <a:buNone/>
-            </a:pPr>
-            <a:r>
-              <a:rPr lang="zh-CN" altLang="en-US" sz="5400" b="1" dirty="0">
-                <a:solidFill>
-                  <a:srgbClr val="660033"/>
-                </a:solidFill>
-                <a:latin typeface="微軟正黑體" pitchFamily="34" charset="-120"/>
-                <a:ea typeface="微軟正黑體" pitchFamily="34" charset="-120"/>
-              </a:rPr>
-              <a:t>生</a:t>
-            </a:r>
-            <a:r>
-              <a:rPr lang="zh-CN" altLang="en-US" sz="5400" b="1" dirty="0" smtClean="0">
-                <a:solidFill>
-                  <a:srgbClr val="660033"/>
-                </a:solidFill>
-                <a:latin typeface="微軟正黑體" pitchFamily="34" charset="-120"/>
-                <a:ea typeface="微軟正黑體" pitchFamily="34" charset="-120"/>
-              </a:rPr>
-              <a:t>於童女成人狀</a:t>
-            </a:r>
-            <a:endParaRPr lang="en-US" altLang="zh-CN" sz="5400" b="1" dirty="0" smtClean="0">
-              <a:solidFill>
-                <a:srgbClr val="660033"/>
-              </a:solidFill>
-              <a:latin typeface="微軟正黑體" pitchFamily="34" charset="-120"/>
-              <a:ea typeface="微軟正黑體" pitchFamily="34" charset="-120"/>
-            </a:endParaRPr>
-          </a:p>
         </p:txBody>
       </p:sp>
     </p:spTree>
+    <p:extLst>
+      <p:ext uri="{BB962C8B-B14F-4D97-AF65-F5344CB8AC3E}">
+        <p14:creationId xmlns:p14="http://schemas.microsoft.com/office/powerpoint/2010/main" val="4005415215"/>
+      </p:ext>
+    </p:extLst>
   </p:cSld>
   <p:clrMapOvr>
     <a:masterClrMapping/>
   </p:clrMapOvr>
-  <p:timing>
-    <p:tnLst>
-      <p:par>
-        <p:cTn id="1" dur="indefinite" restart="never" nodeType="tmRoot"/>
-      </p:par>
-    </p:tnLst>
-  </p:timing>
 </p:sld>
 </file>
 
@@ -4304,113 +4884,158 @@
       </p:grpSpPr>
       <p:sp>
         <p:nvSpPr>
-          <p:cNvPr id="4" name="Title 3"/>
-          <p:cNvSpPr>
-            <a:spLocks noGrp="1"/>
-          </p:cNvSpPr>
-          <p:nvPr>
-            <p:ph type="title"/>
-          </p:nvPr>
-        </p:nvSpPr>
-        <p:spPr/>
-        <p:txBody>
-          <a:bodyPr/>
-          <a:lstStyle/>
-          <a:p>
-            <a:r>
-              <a:rPr lang="zh-CN" altLang="en-US" b="1" dirty="0" smtClean="0">
-                <a:solidFill>
-                  <a:srgbClr val="660033"/>
+          <p:cNvPr id="5" name="內容版面配置區 4"/>
+          <p:cNvSpPr>
+            <a:spLocks noGrp="1"/>
+          </p:cNvSpPr>
+          <p:nvPr>
+            <p:ph idx="1"/>
+          </p:nvPr>
+        </p:nvSpPr>
+        <p:spPr>
+          <a:xfrm>
+            <a:off x="0" y="1563638"/>
+            <a:ext cx="9144000" cy="1803647"/>
+          </a:xfrm>
+        </p:spPr>
+        <p:txBody>
+          <a:bodyPr anchor="ctr">
+            <a:normAutofit/>
+          </a:bodyPr>
+          <a:lstStyle/>
+          <a:p>
+            <a:pPr algn="ctr">
+              <a:buNone/>
+            </a:pPr>
+            <a:r>
+              <a:rPr lang="zh-CN" altLang="en-US" sz="4800" b="1" dirty="0">
+                <a:solidFill>
+                  <a:srgbClr val="000066"/>
                 </a:solidFill>
                 <a:latin typeface="微軟正黑體" pitchFamily="34" charset="-120"/>
                 <a:ea typeface="微軟正黑體" pitchFamily="34" charset="-120"/>
               </a:rPr>
-              <a:t>天使報信</a:t>
-            </a:r>
-            <a:endParaRPr lang="en-US" b="1" dirty="0">
+              <a:t>天唱地和喜不勝</a:t>
+            </a:r>
+            <a:endParaRPr lang="en-US" altLang="zh-CN" sz="4800" b="1" dirty="0">
               <a:solidFill>
-                <a:srgbClr val="660033"/>
+                <a:srgbClr val="000066"/>
               </a:solidFill>
               <a:latin typeface="微軟正黑體" pitchFamily="34" charset="-120"/>
               <a:ea typeface="微軟正黑體" pitchFamily="34" charset="-120"/>
             </a:endParaRPr>
           </a:p>
-        </p:txBody>
-      </p:sp>
-      <p:sp>
-        <p:nvSpPr>
-          <p:cNvPr id="5" name="Content Placeholder 4"/>
-          <p:cNvSpPr>
-            <a:spLocks noGrp="1"/>
-          </p:cNvSpPr>
-          <p:nvPr>
-            <p:ph idx="1"/>
-          </p:nvPr>
-        </p:nvSpPr>
-        <p:spPr/>
-        <p:txBody>
-          <a:bodyPr>
-            <a:normAutofit/>
-          </a:bodyPr>
-          <a:lstStyle/>
           <a:p>
             <a:pPr algn="ctr">
               <a:buNone/>
             </a:pPr>
             <a:r>
-              <a:rPr lang="zh-CN" altLang="en-US" sz="5400" b="1" dirty="0" smtClean="0">
-                <a:solidFill>
-                  <a:srgbClr val="660033"/>
+              <a:rPr lang="zh-CN" altLang="en-US" sz="4800" b="1" dirty="0">
+                <a:solidFill>
+                  <a:srgbClr val="000066"/>
                 </a:solidFill>
                 <a:latin typeface="微軟正黑體" pitchFamily="34" charset="-120"/>
                 <a:ea typeface="微軟正黑體" pitchFamily="34" charset="-120"/>
               </a:rPr>
-              <a:t>至高上主成肉體</a:t>
-            </a:r>
-            <a:endParaRPr lang="en-US" altLang="zh-CN" sz="5400" b="1" dirty="0" smtClean="0">
+              <a:t>基督生於伯利恆</a:t>
+            </a:r>
+            <a:endParaRPr lang="en-US" altLang="zh-CN" sz="4800" b="1" dirty="0">
               <a:solidFill>
-                <a:srgbClr val="660033"/>
+                <a:srgbClr val="000066"/>
               </a:solidFill>
               <a:latin typeface="微軟正黑體" pitchFamily="34" charset="-120"/>
               <a:ea typeface="微軟正黑體" pitchFamily="34" charset="-120"/>
             </a:endParaRPr>
           </a:p>
-          <a:p>
-            <a:pPr algn="ctr">
-              <a:buNone/>
-            </a:pPr>
-            <a:r>
-              <a:rPr lang="zh-CN" altLang="en-US" sz="5400" b="1" dirty="0" smtClean="0">
-                <a:solidFill>
-                  <a:srgbClr val="660033"/>
-                </a:solidFill>
-                <a:latin typeface="微軟正黑體" pitchFamily="34" charset="-120"/>
-                <a:ea typeface="微軟正黑體" pitchFamily="34" charset="-120"/>
-              </a:rPr>
-              <a:t>住在人間恩無比</a:t>
-            </a:r>
-            <a:endParaRPr lang="en-US" sz="5400" b="1" dirty="0">
+        </p:txBody>
+      </p:sp>
+      <p:sp>
+        <p:nvSpPr>
+          <p:cNvPr id="3" name="TextBox 2"/>
+          <p:cNvSpPr txBox="1"/>
+          <p:nvPr/>
+        </p:nvSpPr>
+        <p:spPr>
+          <a:xfrm>
+            <a:off x="827584" y="1707654"/>
+            <a:ext cx="966632" cy="830997"/>
+          </a:xfrm>
+          <a:prstGeom prst="rect">
+            <a:avLst/>
+          </a:prstGeom>
+          <a:noFill/>
+        </p:spPr>
+        <p:txBody>
+          <a:bodyPr wrap="square" rtlCol="0">
+            <a:spAutoFit/>
+          </a:bodyPr>
+          <a:lstStyle/>
+          <a:p>
+            <a:r>
+              <a:rPr lang="en-US" sz="4800" b="1" dirty="0" smtClean="0">
+                <a:solidFill>
+                  <a:srgbClr val="000066"/>
+                </a:solidFill>
+              </a:rPr>
+              <a:t>1.</a:t>
+            </a:r>
+            <a:endParaRPr lang="vi-VN" sz="4800" b="1" dirty="0">
               <a:solidFill>
-                <a:srgbClr val="660033"/>
+                <a:srgbClr val="000066"/>
               </a:solidFill>
-              <a:latin typeface="微軟正黑體" pitchFamily="34" charset="-120"/>
-              <a:ea typeface="微軟正黑體" pitchFamily="34" charset="-120"/>
             </a:endParaRPr>
           </a:p>
         </p:txBody>
       </p:sp>
+      <p:sp>
+        <p:nvSpPr>
+          <p:cNvPr id="4" name="TextBox 3"/>
+          <p:cNvSpPr txBox="1"/>
+          <p:nvPr/>
+        </p:nvSpPr>
+        <p:spPr>
+          <a:xfrm>
+            <a:off x="0" y="3795886"/>
+            <a:ext cx="9144000" cy="707886"/>
+          </a:xfrm>
+          <a:prstGeom prst="rect">
+            <a:avLst/>
+          </a:prstGeom>
+          <a:noFill/>
+        </p:spPr>
+        <p:txBody>
+          <a:bodyPr wrap="square" rtlCol="0">
+            <a:spAutoFit/>
+          </a:bodyPr>
+          <a:lstStyle/>
+          <a:p>
+            <a:pPr algn="ctr"/>
+            <a:r>
+              <a:rPr lang="en-US" sz="4000" b="1" dirty="0" smtClean="0">
+                <a:solidFill>
+                  <a:srgbClr val="000066"/>
+                </a:solidFill>
+              </a:rPr>
+              <a:t>( x2 )</a:t>
+            </a:r>
+            <a:endParaRPr lang="vi-VN" sz="4000" b="1" dirty="0">
+              <a:solidFill>
+                <a:srgbClr val="000066"/>
+              </a:solidFill>
+            </a:endParaRPr>
+          </a:p>
+        </p:txBody>
+      </p:sp>
     </p:spTree>
+    <p:extLst>
+      <p:ext uri="{BB962C8B-B14F-4D97-AF65-F5344CB8AC3E}">
+        <p14:creationId xmlns:p14="http://schemas.microsoft.com/office/powerpoint/2010/main" val="290829266"/>
+      </p:ext>
+    </p:extLst>
   </p:cSld>
   <p:clrMapOvr>
     <a:masterClrMapping/>
   </p:clrMapOvr>
-  <p:timing>
-    <p:tnLst>
-      <p:par>
-        <p:cTn id="1" dur="indefinite" restart="never" nodeType="tmRoot"/>
-      </p:par>
-    </p:tnLst>
-  </p:timing>
 </p:sld>
 </file>
 
@@ -4433,157 +5058,119 @@
       </p:grpSpPr>
       <p:sp>
         <p:nvSpPr>
-          <p:cNvPr id="4" name="Title 3"/>
-          <p:cNvSpPr>
-            <a:spLocks noGrp="1"/>
-          </p:cNvSpPr>
-          <p:nvPr>
-            <p:ph type="title"/>
-          </p:nvPr>
-        </p:nvSpPr>
-        <p:spPr/>
-        <p:txBody>
-          <a:bodyPr/>
-          <a:lstStyle/>
-          <a:p>
-            <a:r>
-              <a:rPr lang="zh-CN" altLang="en-US" b="1" dirty="0" smtClean="0">
-                <a:solidFill>
-                  <a:srgbClr val="660033"/>
+          <p:cNvPr id="5" name="內容版面配置區 4"/>
+          <p:cNvSpPr>
+            <a:spLocks noGrp="1"/>
+          </p:cNvSpPr>
+          <p:nvPr>
+            <p:ph idx="1"/>
+          </p:nvPr>
+        </p:nvSpPr>
+        <p:spPr>
+          <a:xfrm>
+            <a:off x="0" y="1563638"/>
+            <a:ext cx="9144000" cy="1803647"/>
+          </a:xfrm>
+        </p:spPr>
+        <p:txBody>
+          <a:bodyPr anchor="ctr">
+            <a:normAutofit/>
+          </a:bodyPr>
+          <a:lstStyle/>
+          <a:p>
+            <a:pPr algn="ctr">
+              <a:buNone/>
+            </a:pPr>
+            <a:r>
+              <a:rPr lang="zh-CN" altLang="en-US" sz="4800" b="1" dirty="0">
+                <a:solidFill>
+                  <a:srgbClr val="000066"/>
                 </a:solidFill>
                 <a:latin typeface="微軟正黑體" pitchFamily="34" charset="-120"/>
                 <a:ea typeface="微軟正黑體" pitchFamily="34" charset="-120"/>
               </a:rPr>
-              <a:t>天使報信</a:t>
-            </a:r>
-            <a:endParaRPr lang="en-US" b="1" dirty="0">
+              <a:t>基督本為永生王</a:t>
+            </a:r>
+            <a:endParaRPr lang="en-US" altLang="zh-CN" sz="4800" b="1" dirty="0">
               <a:solidFill>
-                <a:srgbClr val="660033"/>
+                <a:srgbClr val="000066"/>
               </a:solidFill>
               <a:latin typeface="微軟正黑體" pitchFamily="34" charset="-120"/>
               <a:ea typeface="微軟正黑體" pitchFamily="34" charset="-120"/>
             </a:endParaRPr>
           </a:p>
-        </p:txBody>
-      </p:sp>
-      <p:sp>
-        <p:nvSpPr>
-          <p:cNvPr id="5" name="Content Placeholder 4"/>
-          <p:cNvSpPr>
-            <a:spLocks noGrp="1"/>
-          </p:cNvSpPr>
-          <p:nvPr>
-            <p:ph idx="1"/>
-          </p:nvPr>
-        </p:nvSpPr>
-        <p:spPr/>
-        <p:txBody>
-          <a:bodyPr>
-            <a:normAutofit fontScale="92500" lnSpcReduction="10000"/>
-          </a:bodyPr>
-          <a:lstStyle/>
           <a:p>
             <a:pPr algn="ctr">
               <a:buNone/>
             </a:pPr>
             <a:r>
-              <a:rPr lang="zh-CN" altLang="en-US" sz="5400" b="1" dirty="0" smtClean="0">
-                <a:solidFill>
-                  <a:srgbClr val="660033"/>
+              <a:rPr lang="zh-CN" altLang="en-US" sz="4800" b="1" dirty="0">
+                <a:solidFill>
+                  <a:srgbClr val="000066"/>
                 </a:solidFill>
                 <a:latin typeface="微軟正黑體" pitchFamily="34" charset="-120"/>
                 <a:ea typeface="微軟正黑體" pitchFamily="34" charset="-120"/>
               </a:rPr>
-              <a:t>甘於世人歸下地</a:t>
-            </a:r>
-            <a:endParaRPr lang="en-US" altLang="zh-CN" sz="5400" b="1" dirty="0" smtClean="0">
+              <a:t>天使敬拜齊頌揚</a:t>
+            </a:r>
+            <a:endParaRPr lang="en-US" altLang="zh-CN" sz="4800" b="1" dirty="0">
               <a:solidFill>
-                <a:srgbClr val="660033"/>
+                <a:srgbClr val="000066"/>
               </a:solidFill>
               <a:latin typeface="微軟正黑體" pitchFamily="34" charset="-120"/>
               <a:ea typeface="微軟正黑體" pitchFamily="34" charset="-120"/>
             </a:endParaRPr>
           </a:p>
-          <a:p>
-            <a:pPr algn="ctr">
-              <a:buNone/>
-            </a:pPr>
-            <a:r>
-              <a:rPr lang="zh-CN" altLang="en-US" sz="5400" b="1" dirty="0" smtClean="0">
-                <a:solidFill>
-                  <a:srgbClr val="660033"/>
-                </a:solidFill>
-                <a:latin typeface="微軟正黑體" pitchFamily="34" charset="-120"/>
-                <a:ea typeface="微軟正黑體" pitchFamily="34" charset="-120"/>
-              </a:rPr>
-              <a:t>乃我主以馬內利</a:t>
-            </a:r>
-            <a:endParaRPr lang="en-US" altLang="zh-CN" sz="5400" b="1" dirty="0" smtClean="0">
+        </p:txBody>
+      </p:sp>
+      <p:sp>
+        <p:nvSpPr>
+          <p:cNvPr id="3" name="TextBox 2"/>
+          <p:cNvSpPr txBox="1"/>
+          <p:nvPr/>
+        </p:nvSpPr>
+        <p:spPr>
+          <a:xfrm>
+            <a:off x="827584" y="1707654"/>
+            <a:ext cx="966632" cy="830997"/>
+          </a:xfrm>
+          <a:prstGeom prst="rect">
+            <a:avLst/>
+          </a:prstGeom>
+          <a:noFill/>
+        </p:spPr>
+        <p:txBody>
+          <a:bodyPr wrap="square" rtlCol="0">
+            <a:spAutoFit/>
+          </a:bodyPr>
+          <a:lstStyle/>
+          <a:p>
+            <a:r>
+              <a:rPr lang="en-US" sz="4800" b="1" dirty="0" smtClean="0">
+                <a:solidFill>
+                  <a:srgbClr val="000066"/>
+                </a:solidFill>
+              </a:rPr>
+              <a:t>2.</a:t>
+            </a:r>
+            <a:endParaRPr lang="vi-VN" sz="4800" b="1" dirty="0">
               <a:solidFill>
-                <a:srgbClr val="660033"/>
+                <a:srgbClr val="000066"/>
               </a:solidFill>
-              <a:latin typeface="微軟正黑體" pitchFamily="34" charset="-120"/>
-              <a:ea typeface="微軟正黑體" pitchFamily="34" charset="-120"/>
             </a:endParaRPr>
           </a:p>
-          <a:p>
-            <a:pPr algn="ctr">
-              <a:buNone/>
-            </a:pPr>
-            <a:r>
-              <a:rPr lang="zh-CN" altLang="en-US" sz="5400" b="1" dirty="0" smtClean="0">
-                <a:solidFill>
-                  <a:srgbClr val="660033"/>
-                </a:solidFill>
-                <a:latin typeface="微軟正黑體" pitchFamily="34" charset="-120"/>
-                <a:ea typeface="微軟正黑體" pitchFamily="34" charset="-120"/>
-              </a:rPr>
-              <a:t>甘於世人歸下地</a:t>
-            </a:r>
-            <a:endParaRPr lang="en-US" altLang="zh-CN" sz="5400" b="1" dirty="0" smtClean="0">
-              <a:solidFill>
-                <a:srgbClr val="660033"/>
-              </a:solidFill>
-              <a:latin typeface="微軟正黑體" pitchFamily="34" charset="-120"/>
-              <a:ea typeface="微軟正黑體" pitchFamily="34" charset="-120"/>
-            </a:endParaRPr>
-          </a:p>
-          <a:p>
-            <a:pPr algn="ctr">
-              <a:buNone/>
-            </a:pPr>
-            <a:r>
-              <a:rPr lang="zh-CN" altLang="en-US" sz="5400" b="1" dirty="0" smtClean="0">
-                <a:solidFill>
-                  <a:srgbClr val="660033"/>
-                </a:solidFill>
-                <a:latin typeface="微軟正黑體" pitchFamily="34" charset="-120"/>
-                <a:ea typeface="微軟正黑體" pitchFamily="34" charset="-120"/>
-              </a:rPr>
-              <a:t>乃我主以馬內利</a:t>
-            </a:r>
-            <a:endParaRPr lang="en-US" altLang="zh-CN" sz="5400" b="1" dirty="0" smtClean="0">
-              <a:solidFill>
-                <a:srgbClr val="660033"/>
-              </a:solidFill>
-              <a:latin typeface="微軟正黑體" pitchFamily="34" charset="-120"/>
-              <a:ea typeface="微軟正黑體" pitchFamily="34" charset="-120"/>
-            </a:endParaRPr>
-          </a:p>
         </p:txBody>
       </p:sp>
     </p:spTree>
+    <p:extLst>
+      <p:ext uri="{BB962C8B-B14F-4D97-AF65-F5344CB8AC3E}">
+        <p14:creationId xmlns:p14="http://schemas.microsoft.com/office/powerpoint/2010/main" val="3328052575"/>
+      </p:ext>
+    </p:extLst>
   </p:cSld>
   <p:clrMapOvr>
     <a:masterClrMapping/>
   </p:clrMapOvr>
-  <p:timing>
-    <p:tnLst>
-      <p:par>
-        <p:cTn id="1" dur="indefinite" restart="never" nodeType="tmRoot"/>
-      </p:par>
-    </p:tnLst>
-  </p:timing>
 </p:sld>
 </file>
 
@@ -4606,167 +5193,119 @@
       </p:grpSpPr>
       <p:sp>
         <p:nvSpPr>
-          <p:cNvPr id="4" name="Title 3"/>
-          <p:cNvSpPr>
-            <a:spLocks noGrp="1"/>
-          </p:cNvSpPr>
-          <p:nvPr>
-            <p:ph type="title"/>
-          </p:nvPr>
-        </p:nvSpPr>
-        <p:spPr/>
-        <p:txBody>
-          <a:bodyPr/>
-          <a:lstStyle/>
-          <a:p>
-            <a:r>
-              <a:rPr lang="zh-CN" altLang="en-US" b="1" dirty="0" smtClean="0">
-                <a:solidFill>
-                  <a:srgbClr val="660033"/>
+          <p:cNvPr id="5" name="內容版面配置區 4"/>
+          <p:cNvSpPr>
+            <a:spLocks noGrp="1"/>
+          </p:cNvSpPr>
+          <p:nvPr>
+            <p:ph idx="1"/>
+          </p:nvPr>
+        </p:nvSpPr>
+        <p:spPr>
+          <a:xfrm>
+            <a:off x="0" y="1563638"/>
+            <a:ext cx="9144000" cy="1803647"/>
+          </a:xfrm>
+        </p:spPr>
+        <p:txBody>
+          <a:bodyPr anchor="ctr">
+            <a:normAutofit/>
+          </a:bodyPr>
+          <a:lstStyle/>
+          <a:p>
+            <a:pPr algn="ctr">
+              <a:buNone/>
+            </a:pPr>
+            <a:r>
+              <a:rPr lang="zh-CN" altLang="en-US" sz="4800" b="1" dirty="0">
+                <a:solidFill>
+                  <a:srgbClr val="000066"/>
                 </a:solidFill>
                 <a:latin typeface="微軟正黑體" pitchFamily="34" charset="-120"/>
                 <a:ea typeface="微軟正黑體" pitchFamily="34" charset="-120"/>
               </a:rPr>
-              <a:t>天使報信</a:t>
-            </a:r>
-            <a:endParaRPr lang="en-US" b="1" dirty="0">
+              <a:t>竟然虛己由天降</a:t>
+            </a:r>
+            <a:endParaRPr lang="en-US" altLang="zh-CN" sz="4800" b="1" dirty="0">
               <a:solidFill>
-                <a:srgbClr val="660033"/>
+                <a:srgbClr val="000066"/>
               </a:solidFill>
               <a:latin typeface="微軟正黑體" pitchFamily="34" charset="-120"/>
               <a:ea typeface="微軟正黑體" pitchFamily="34" charset="-120"/>
             </a:endParaRPr>
           </a:p>
-        </p:txBody>
-      </p:sp>
-      <p:sp>
-        <p:nvSpPr>
-          <p:cNvPr id="5" name="Content Placeholder 4"/>
-          <p:cNvSpPr>
-            <a:spLocks noGrp="1"/>
-          </p:cNvSpPr>
-          <p:nvPr>
-            <p:ph idx="1"/>
-          </p:nvPr>
-        </p:nvSpPr>
-        <p:spPr/>
-        <p:txBody>
-          <a:bodyPr>
-            <a:normAutofit fontScale="92500" lnSpcReduction="10000"/>
-          </a:bodyPr>
-          <a:lstStyle/>
           <a:p>
             <a:pPr algn="ctr">
               <a:buNone/>
             </a:pPr>
             <a:r>
-              <a:rPr lang="zh-CN" altLang="en-US" sz="5400" b="1" dirty="0" smtClean="0">
-                <a:solidFill>
-                  <a:srgbClr val="660033"/>
+              <a:rPr lang="zh-CN" altLang="en-US" sz="4800" b="1" dirty="0">
+                <a:solidFill>
+                  <a:srgbClr val="000066"/>
                 </a:solidFill>
                 <a:latin typeface="微軟正黑體" pitchFamily="34" charset="-120"/>
                 <a:ea typeface="微軟正黑體" pitchFamily="34" charset="-120"/>
               </a:rPr>
-              <a:t>美哉耶穌太平皇</a:t>
-            </a:r>
-            <a:endParaRPr lang="en-US" altLang="zh-CN" sz="5400" b="1" dirty="0" smtClean="0">
+              <a:t>生於童女成人狀</a:t>
+            </a:r>
+            <a:endParaRPr lang="en-US" altLang="zh-CN" sz="4800" b="1" dirty="0">
               <a:solidFill>
-                <a:srgbClr val="660033"/>
+                <a:srgbClr val="000066"/>
               </a:solidFill>
               <a:latin typeface="微軟正黑體" pitchFamily="34" charset="-120"/>
               <a:ea typeface="微軟正黑體" pitchFamily="34" charset="-120"/>
             </a:endParaRPr>
           </a:p>
-          <a:p>
-            <a:pPr algn="ctr">
-              <a:buNone/>
-            </a:pPr>
-            <a:r>
-              <a:rPr lang="zh-CN" altLang="en-US" sz="5400" b="1" dirty="0" smtClean="0">
-                <a:solidFill>
-                  <a:srgbClr val="660033"/>
-                </a:solidFill>
-                <a:latin typeface="微軟正黑體" pitchFamily="34" charset="-120"/>
-                <a:ea typeface="微軟正黑體" pitchFamily="34" charset="-120"/>
-              </a:rPr>
-              <a:t>美哉耶穌為世光</a:t>
-            </a:r>
-            <a:endParaRPr lang="en-US" altLang="zh-CN" sz="5400" b="1" dirty="0" smtClean="0">
+        </p:txBody>
+      </p:sp>
+      <p:sp>
+        <p:nvSpPr>
+          <p:cNvPr id="3" name="TextBox 2"/>
+          <p:cNvSpPr txBox="1"/>
+          <p:nvPr/>
+        </p:nvSpPr>
+        <p:spPr>
+          <a:xfrm>
+            <a:off x="827584" y="1707654"/>
+            <a:ext cx="966632" cy="830997"/>
+          </a:xfrm>
+          <a:prstGeom prst="rect">
+            <a:avLst/>
+          </a:prstGeom>
+          <a:noFill/>
+        </p:spPr>
+        <p:txBody>
+          <a:bodyPr wrap="square" rtlCol="0">
+            <a:spAutoFit/>
+          </a:bodyPr>
+          <a:lstStyle/>
+          <a:p>
+            <a:r>
+              <a:rPr lang="en-US" sz="4800" b="1" dirty="0" smtClean="0">
+                <a:solidFill>
+                  <a:srgbClr val="000066"/>
+                </a:solidFill>
+              </a:rPr>
+              <a:t>2.</a:t>
+            </a:r>
+            <a:endParaRPr lang="vi-VN" sz="4800" b="1" dirty="0">
               <a:solidFill>
-                <a:srgbClr val="660033"/>
+                <a:srgbClr val="000066"/>
               </a:solidFill>
-              <a:latin typeface="微軟正黑體" pitchFamily="34" charset="-120"/>
-              <a:ea typeface="微軟正黑體" pitchFamily="34" charset="-120"/>
             </a:endParaRPr>
           </a:p>
-          <a:p>
-            <a:pPr algn="ctr">
-              <a:buNone/>
-            </a:pPr>
-            <a:r>
-              <a:rPr lang="zh-CN" altLang="en-US" sz="5400" b="1" dirty="0">
-                <a:solidFill>
-                  <a:srgbClr val="660033"/>
-                </a:solidFill>
-                <a:latin typeface="微軟正黑體" pitchFamily="34" charset="-120"/>
-                <a:ea typeface="微軟正黑體" pitchFamily="34" charset="-120"/>
-              </a:rPr>
-              <a:t>普</a:t>
-            </a:r>
-            <a:r>
-              <a:rPr lang="zh-CN" altLang="en-US" sz="5400" b="1" dirty="0" smtClean="0">
-                <a:solidFill>
-                  <a:srgbClr val="660033"/>
-                </a:solidFill>
-                <a:latin typeface="微軟正黑體" pitchFamily="34" charset="-120"/>
-                <a:ea typeface="微軟正黑體" pitchFamily="34" charset="-120"/>
-              </a:rPr>
-              <a:t>遍照臨萬方人</a:t>
-            </a:r>
-            <a:endParaRPr lang="en-US" altLang="zh-CN" sz="5400" b="1" dirty="0" smtClean="0">
-              <a:solidFill>
-                <a:srgbClr val="660033"/>
-              </a:solidFill>
-              <a:latin typeface="微軟正黑體" pitchFamily="34" charset="-120"/>
-              <a:ea typeface="微軟正黑體" pitchFamily="34" charset="-120"/>
-            </a:endParaRPr>
-          </a:p>
-          <a:p>
-            <a:pPr algn="ctr">
-              <a:buNone/>
-            </a:pPr>
-            <a:r>
-              <a:rPr lang="zh-CN" altLang="en-US" sz="5400" b="1" dirty="0" smtClean="0">
-                <a:solidFill>
-                  <a:srgbClr val="660033"/>
-                </a:solidFill>
-                <a:latin typeface="微軟正黑體" pitchFamily="34" charset="-120"/>
-                <a:ea typeface="微軟正黑體" pitchFamily="34" charset="-120"/>
-              </a:rPr>
-              <a:t>賜以永生引歸真</a:t>
-            </a:r>
-            <a:endParaRPr lang="en-US" altLang="zh-CN" sz="5400" b="1" dirty="0" smtClean="0">
-              <a:solidFill>
-                <a:srgbClr val="660033"/>
-              </a:solidFill>
-              <a:latin typeface="微軟正黑體" pitchFamily="34" charset="-120"/>
-              <a:ea typeface="微軟正黑體" pitchFamily="34" charset="-120"/>
-            </a:endParaRPr>
-          </a:p>
         </p:txBody>
       </p:sp>
     </p:spTree>
+    <p:extLst>
+      <p:ext uri="{BB962C8B-B14F-4D97-AF65-F5344CB8AC3E}">
+        <p14:creationId xmlns:p14="http://schemas.microsoft.com/office/powerpoint/2010/main" val="2746146397"/>
+      </p:ext>
+    </p:extLst>
   </p:cSld>
   <p:clrMapOvr>
     <a:masterClrMapping/>
   </p:clrMapOvr>
-  <p:timing>
-    <p:tnLst>
-      <p:par>
-        <p:cTn id="1" dur="indefinite" restart="never" nodeType="tmRoot"/>
-      </p:par>
-    </p:tnLst>
-  </p:timing>
 </p:sld>
 </file>
 
@@ -4789,123 +5328,119 @@
       </p:grpSpPr>
       <p:sp>
         <p:nvSpPr>
-          <p:cNvPr id="4" name="Title 3"/>
-          <p:cNvSpPr>
-            <a:spLocks noGrp="1"/>
-          </p:cNvSpPr>
-          <p:nvPr>
-            <p:ph type="title"/>
-          </p:nvPr>
-        </p:nvSpPr>
-        <p:spPr/>
-        <p:txBody>
-          <a:bodyPr/>
-          <a:lstStyle/>
-          <a:p>
-            <a:r>
-              <a:rPr lang="zh-CN" altLang="en-US" b="1" dirty="0" smtClean="0">
-                <a:solidFill>
-                  <a:srgbClr val="660033"/>
+          <p:cNvPr id="5" name="內容版面配置區 4"/>
+          <p:cNvSpPr>
+            <a:spLocks noGrp="1"/>
+          </p:cNvSpPr>
+          <p:nvPr>
+            <p:ph idx="1"/>
+          </p:nvPr>
+        </p:nvSpPr>
+        <p:spPr>
+          <a:xfrm>
+            <a:off x="0" y="1563638"/>
+            <a:ext cx="9144000" cy="1803647"/>
+          </a:xfrm>
+        </p:spPr>
+        <p:txBody>
+          <a:bodyPr anchor="ctr">
+            <a:normAutofit/>
+          </a:bodyPr>
+          <a:lstStyle/>
+          <a:p>
+            <a:pPr algn="ctr">
+              <a:buNone/>
+            </a:pPr>
+            <a:r>
+              <a:rPr lang="zh-CN" altLang="en-US" sz="4800" b="1" dirty="0">
+                <a:solidFill>
+                  <a:srgbClr val="000066"/>
                 </a:solidFill>
                 <a:latin typeface="微軟正黑體" pitchFamily="34" charset="-120"/>
                 <a:ea typeface="微軟正黑體" pitchFamily="34" charset="-120"/>
               </a:rPr>
-              <a:t>天使報信</a:t>
-            </a:r>
-            <a:endParaRPr lang="en-US" b="1" dirty="0">
+              <a:t>至高上主成肉體</a:t>
+            </a:r>
+            <a:endParaRPr lang="en-US" altLang="zh-CN" sz="4800" b="1" dirty="0">
               <a:solidFill>
-                <a:srgbClr val="660033"/>
+                <a:srgbClr val="000066"/>
               </a:solidFill>
               <a:latin typeface="微軟正黑體" pitchFamily="34" charset="-120"/>
               <a:ea typeface="微軟正黑體" pitchFamily="34" charset="-120"/>
             </a:endParaRPr>
           </a:p>
-        </p:txBody>
-      </p:sp>
-      <p:sp>
-        <p:nvSpPr>
-          <p:cNvPr id="5" name="Content Placeholder 4"/>
-          <p:cNvSpPr>
-            <a:spLocks noGrp="1"/>
-          </p:cNvSpPr>
-          <p:nvPr>
-            <p:ph idx="1"/>
-          </p:nvPr>
-        </p:nvSpPr>
-        <p:spPr/>
-        <p:txBody>
-          <a:bodyPr>
-            <a:normAutofit/>
-          </a:bodyPr>
-          <a:lstStyle/>
           <a:p>
             <a:pPr algn="ctr">
               <a:buNone/>
             </a:pPr>
             <a:r>
-              <a:rPr lang="zh-CN" altLang="en-US" sz="5400" b="1" dirty="0" smtClean="0">
-                <a:solidFill>
-                  <a:srgbClr val="660033"/>
+              <a:rPr lang="zh-CN" altLang="en-US" sz="4800" b="1" dirty="0">
+                <a:solidFill>
+                  <a:srgbClr val="000066"/>
                 </a:solidFill>
                 <a:latin typeface="微軟正黑體" pitchFamily="34" charset="-120"/>
                 <a:ea typeface="微軟正黑體" pitchFamily="34" charset="-120"/>
               </a:rPr>
-              <a:t>謙卑放下天榮尊</a:t>
-            </a:r>
-            <a:endParaRPr lang="en-US" altLang="zh-CN" sz="5400" b="1" dirty="0" smtClean="0">
+              <a:t>住在人間恩無比</a:t>
+            </a:r>
+            <a:endParaRPr lang="en-US" sz="4800" b="1" dirty="0">
               <a:solidFill>
-                <a:srgbClr val="660033"/>
+                <a:srgbClr val="000066"/>
               </a:solidFill>
               <a:latin typeface="微軟正黑體" pitchFamily="34" charset="-120"/>
               <a:ea typeface="微軟正黑體" pitchFamily="34" charset="-120"/>
             </a:endParaRPr>
           </a:p>
-          <a:p>
-            <a:pPr algn="ctr">
-              <a:buNone/>
-            </a:pPr>
-            <a:r>
-              <a:rPr lang="zh-CN" altLang="en-US" sz="5400" b="1" dirty="0">
-                <a:solidFill>
-                  <a:srgbClr val="660033"/>
-                </a:solidFill>
-                <a:latin typeface="微軟正黑體" pitchFamily="34" charset="-120"/>
-                <a:ea typeface="微軟正黑體" pitchFamily="34" charset="-120"/>
-              </a:rPr>
-              <a:t>降</a:t>
-            </a:r>
-            <a:r>
-              <a:rPr lang="zh-CN" altLang="en-US" sz="5400" b="1" dirty="0" smtClean="0">
-                <a:solidFill>
-                  <a:srgbClr val="660033"/>
-                </a:solidFill>
-                <a:latin typeface="微軟正黑體" pitchFamily="34" charset="-120"/>
-                <a:ea typeface="微軟正黑體" pitchFamily="34" charset="-120"/>
-              </a:rPr>
-              <a:t>生救人面沉淪</a:t>
-            </a:r>
-            <a:endParaRPr lang="en-US" altLang="zh-CN" sz="5400" b="1" dirty="0" smtClean="0">
+        </p:txBody>
+      </p:sp>
+      <p:sp>
+        <p:nvSpPr>
+          <p:cNvPr id="3" name="TextBox 2"/>
+          <p:cNvSpPr txBox="1"/>
+          <p:nvPr/>
+        </p:nvSpPr>
+        <p:spPr>
+          <a:xfrm>
+            <a:off x="827584" y="1707654"/>
+            <a:ext cx="966632" cy="830997"/>
+          </a:xfrm>
+          <a:prstGeom prst="rect">
+            <a:avLst/>
+          </a:prstGeom>
+          <a:noFill/>
+        </p:spPr>
+        <p:txBody>
+          <a:bodyPr wrap="square" rtlCol="0">
+            <a:spAutoFit/>
+          </a:bodyPr>
+          <a:lstStyle/>
+          <a:p>
+            <a:r>
+              <a:rPr lang="en-US" sz="4800" b="1" dirty="0" smtClean="0">
+                <a:solidFill>
+                  <a:srgbClr val="000066"/>
+                </a:solidFill>
+              </a:rPr>
+              <a:t>2.</a:t>
+            </a:r>
+            <a:endParaRPr lang="vi-VN" sz="4800" b="1" dirty="0">
               <a:solidFill>
-                <a:srgbClr val="660033"/>
+                <a:srgbClr val="000066"/>
               </a:solidFill>
-              <a:latin typeface="微軟正黑體" pitchFamily="34" charset="-120"/>
-              <a:ea typeface="微軟正黑體" pitchFamily="34" charset="-120"/>
             </a:endParaRPr>
           </a:p>
         </p:txBody>
       </p:sp>
     </p:spTree>
+    <p:extLst>
+      <p:ext uri="{BB962C8B-B14F-4D97-AF65-F5344CB8AC3E}">
+        <p14:creationId xmlns:p14="http://schemas.microsoft.com/office/powerpoint/2010/main" val="4000513848"/>
+      </p:ext>
+    </p:extLst>
   </p:cSld>
   <p:clrMapOvr>
     <a:masterClrMapping/>
   </p:clrMapOvr>
-  <p:timing>
-    <p:tnLst>
-      <p:par>
-        <p:cTn id="1" dur="indefinite" restart="never" nodeType="tmRoot"/>
-      </p:par>
-    </p:tnLst>
-  </p:timing>
 </p:sld>
 </file>
 
@@ -4928,157 +5463,158 @@
       </p:grpSpPr>
       <p:sp>
         <p:nvSpPr>
-          <p:cNvPr id="4" name="Title 3"/>
-          <p:cNvSpPr>
-            <a:spLocks noGrp="1"/>
-          </p:cNvSpPr>
-          <p:nvPr>
-            <p:ph type="title"/>
-          </p:nvPr>
-        </p:nvSpPr>
-        <p:spPr/>
-        <p:txBody>
-          <a:bodyPr/>
-          <a:lstStyle/>
-          <a:p>
-            <a:r>
-              <a:rPr lang="zh-CN" altLang="en-US" b="1" dirty="0" smtClean="0">
-                <a:solidFill>
-                  <a:srgbClr val="660033"/>
+          <p:cNvPr id="5" name="內容版面配置區 4"/>
+          <p:cNvSpPr>
+            <a:spLocks noGrp="1"/>
+          </p:cNvSpPr>
+          <p:nvPr>
+            <p:ph idx="1"/>
+          </p:nvPr>
+        </p:nvSpPr>
+        <p:spPr>
+          <a:xfrm>
+            <a:off x="0" y="1563638"/>
+            <a:ext cx="9144000" cy="1803647"/>
+          </a:xfrm>
+        </p:spPr>
+        <p:txBody>
+          <a:bodyPr anchor="ctr">
+            <a:normAutofit/>
+          </a:bodyPr>
+          <a:lstStyle/>
+          <a:p>
+            <a:pPr algn="ctr">
+              <a:buNone/>
+            </a:pPr>
+            <a:r>
+              <a:rPr lang="zh-CN" altLang="en-US" sz="4800" b="1" dirty="0">
+                <a:solidFill>
+                  <a:srgbClr val="000066"/>
                 </a:solidFill>
                 <a:latin typeface="微軟正黑體" pitchFamily="34" charset="-120"/>
                 <a:ea typeface="微軟正黑體" pitchFamily="34" charset="-120"/>
               </a:rPr>
-              <a:t>天使報信</a:t>
-            </a:r>
-            <a:endParaRPr lang="en-US" b="1" dirty="0">
+              <a:t>甘於世人歸下地</a:t>
+            </a:r>
+            <a:endParaRPr lang="en-US" altLang="zh-CN" sz="4800" b="1" dirty="0">
               <a:solidFill>
-                <a:srgbClr val="660033"/>
+                <a:srgbClr val="000066"/>
               </a:solidFill>
               <a:latin typeface="微軟正黑體" pitchFamily="34" charset="-120"/>
               <a:ea typeface="微軟正黑體" pitchFamily="34" charset="-120"/>
             </a:endParaRPr>
           </a:p>
-        </p:txBody>
-      </p:sp>
-      <p:sp>
-        <p:nvSpPr>
-          <p:cNvPr id="5" name="Content Placeholder 4"/>
-          <p:cNvSpPr>
-            <a:spLocks noGrp="1"/>
-          </p:cNvSpPr>
-          <p:nvPr>
-            <p:ph idx="1"/>
-          </p:nvPr>
-        </p:nvSpPr>
-        <p:spPr/>
-        <p:txBody>
-          <a:bodyPr>
-            <a:normAutofit fontScale="92500" lnSpcReduction="10000"/>
-          </a:bodyPr>
-          <a:lstStyle/>
           <a:p>
             <a:pPr algn="ctr">
               <a:buNone/>
             </a:pPr>
             <a:r>
-              <a:rPr lang="zh-CN" altLang="en-US" sz="5400" b="1" dirty="0" smtClean="0">
-                <a:solidFill>
-                  <a:srgbClr val="660033"/>
+              <a:rPr lang="zh-CN" altLang="en-US" sz="4800" b="1" dirty="0">
+                <a:solidFill>
+                  <a:srgbClr val="000066"/>
                 </a:solidFill>
                 <a:latin typeface="微軟正黑體" pitchFamily="34" charset="-120"/>
                 <a:ea typeface="微軟正黑體" pitchFamily="34" charset="-120"/>
               </a:rPr>
-              <a:t>降生罪人能更新</a:t>
-            </a:r>
-            <a:endParaRPr lang="en-US" altLang="zh-CN" sz="5400" b="1" dirty="0" smtClean="0">
+              <a:t>乃我主以馬內利</a:t>
+            </a:r>
+            <a:endParaRPr lang="en-US" altLang="zh-CN" sz="4800" b="1" dirty="0">
               <a:solidFill>
-                <a:srgbClr val="660033"/>
+                <a:srgbClr val="000066"/>
               </a:solidFill>
               <a:latin typeface="微軟正黑體" pitchFamily="34" charset="-120"/>
               <a:ea typeface="微軟正黑體" pitchFamily="34" charset="-120"/>
             </a:endParaRPr>
           </a:p>
-          <a:p>
-            <a:pPr algn="ctr">
-              <a:buNone/>
-            </a:pPr>
-            <a:r>
-              <a:rPr lang="zh-CN" altLang="en-US" sz="5400" b="1" dirty="0" smtClean="0">
-                <a:solidFill>
-                  <a:srgbClr val="660033"/>
-                </a:solidFill>
-                <a:latin typeface="微軟正黑體" pitchFamily="34" charset="-120"/>
-                <a:ea typeface="微軟正黑體" pitchFamily="34" charset="-120"/>
-              </a:rPr>
-              <a:t>降生罪人與主親</a:t>
-            </a:r>
-            <a:endParaRPr lang="en-US" altLang="zh-CN" sz="5400" b="1" dirty="0" smtClean="0">
+        </p:txBody>
+      </p:sp>
+      <p:sp>
+        <p:nvSpPr>
+          <p:cNvPr id="3" name="TextBox 2"/>
+          <p:cNvSpPr txBox="1"/>
+          <p:nvPr/>
+        </p:nvSpPr>
+        <p:spPr>
+          <a:xfrm>
+            <a:off x="827584" y="1707654"/>
+            <a:ext cx="966632" cy="830997"/>
+          </a:xfrm>
+          <a:prstGeom prst="rect">
+            <a:avLst/>
+          </a:prstGeom>
+          <a:noFill/>
+        </p:spPr>
+        <p:txBody>
+          <a:bodyPr wrap="square" rtlCol="0">
+            <a:spAutoFit/>
+          </a:bodyPr>
+          <a:lstStyle/>
+          <a:p>
+            <a:r>
+              <a:rPr lang="en-US" sz="4800" b="1" dirty="0" smtClean="0">
+                <a:solidFill>
+                  <a:srgbClr val="000066"/>
+                </a:solidFill>
+              </a:rPr>
+              <a:t>2.</a:t>
+            </a:r>
+            <a:endParaRPr lang="vi-VN" sz="4800" b="1" dirty="0">
               <a:solidFill>
-                <a:srgbClr val="660033"/>
+                <a:srgbClr val="000066"/>
               </a:solidFill>
-              <a:latin typeface="微軟正黑體" pitchFamily="34" charset="-120"/>
-              <a:ea typeface="微軟正黑體" pitchFamily="34" charset="-120"/>
             </a:endParaRPr>
           </a:p>
-          <a:p>
-            <a:pPr algn="ctr">
-              <a:buNone/>
-            </a:pPr>
-            <a:r>
-              <a:rPr lang="zh-CN" altLang="en-US" sz="5400" b="1" dirty="0" smtClean="0">
-                <a:solidFill>
-                  <a:srgbClr val="660033"/>
-                </a:solidFill>
-                <a:latin typeface="微軟正黑體" pitchFamily="34" charset="-120"/>
-                <a:ea typeface="微軟正黑體" pitchFamily="34" charset="-120"/>
-              </a:rPr>
-              <a:t>降生罪人能更新</a:t>
-            </a:r>
-            <a:endParaRPr lang="en-US" altLang="zh-CN" sz="5400" b="1" dirty="0" smtClean="0">
+        </p:txBody>
+      </p:sp>
+      <p:sp>
+        <p:nvSpPr>
+          <p:cNvPr id="4" name="TextBox 3"/>
+          <p:cNvSpPr txBox="1"/>
+          <p:nvPr/>
+        </p:nvSpPr>
+        <p:spPr>
+          <a:xfrm>
+            <a:off x="0" y="3795886"/>
+            <a:ext cx="9144000" cy="707886"/>
+          </a:xfrm>
+          <a:prstGeom prst="rect">
+            <a:avLst/>
+          </a:prstGeom>
+          <a:noFill/>
+        </p:spPr>
+        <p:txBody>
+          <a:bodyPr wrap="square" rtlCol="0">
+            <a:spAutoFit/>
+          </a:bodyPr>
+          <a:lstStyle/>
+          <a:p>
+            <a:pPr algn="ctr"/>
+            <a:r>
+              <a:rPr lang="en-US" sz="4000" b="1" dirty="0" smtClean="0">
+                <a:solidFill>
+                  <a:srgbClr val="000066"/>
+                </a:solidFill>
+              </a:rPr>
+              <a:t>( x2 )</a:t>
+            </a:r>
+            <a:endParaRPr lang="vi-VN" sz="4000" b="1" dirty="0">
               <a:solidFill>
-                <a:srgbClr val="660033"/>
+                <a:srgbClr val="000066"/>
               </a:solidFill>
-              <a:latin typeface="微軟正黑體" pitchFamily="34" charset="-120"/>
-              <a:ea typeface="微軟正黑體" pitchFamily="34" charset="-120"/>
             </a:endParaRPr>
           </a:p>
-          <a:p>
-            <a:pPr algn="ctr">
-              <a:buNone/>
-            </a:pPr>
-            <a:r>
-              <a:rPr lang="zh-CN" altLang="en-US" sz="5400" b="1" dirty="0" smtClean="0">
-                <a:solidFill>
-                  <a:srgbClr val="660033"/>
-                </a:solidFill>
-                <a:latin typeface="微軟正黑體" pitchFamily="34" charset="-120"/>
-                <a:ea typeface="微軟正黑體" pitchFamily="34" charset="-120"/>
-              </a:rPr>
-              <a:t>降生罪人與主親</a:t>
-            </a:r>
-            <a:endParaRPr lang="en-US" altLang="zh-CN" sz="5400" b="1" dirty="0" smtClean="0">
-              <a:solidFill>
-                <a:srgbClr val="660033"/>
-              </a:solidFill>
-              <a:latin typeface="微軟正黑體" pitchFamily="34" charset="-120"/>
-              <a:ea typeface="微軟正黑體" pitchFamily="34" charset="-120"/>
-            </a:endParaRPr>
-          </a:p>
         </p:txBody>
       </p:sp>
     </p:spTree>
+    <p:extLst>
+      <p:ext uri="{BB962C8B-B14F-4D97-AF65-F5344CB8AC3E}">
+        <p14:creationId xmlns:p14="http://schemas.microsoft.com/office/powerpoint/2010/main" val="4055007837"/>
+      </p:ext>
+    </p:extLst>
   </p:cSld>
   <p:clrMapOvr>
     <a:masterClrMapping/>
   </p:clrMapOvr>
-  <p:timing>
-    <p:tnLst>
-      <p:par>
-        <p:cTn id="1" dur="indefinite" restart="never" nodeType="tmRoot"/>
-      </p:par>
-    </p:tnLst>
-  </p:timing>
 </p:sld>
 </file>
 
